--- a/documents/sample dependency workflow.pptx
+++ b/documents/sample dependency workflow.pptx
@@ -164,10 +164,9 @@
           </a:lstStyle>
           <a:p>
             <a:r>
-              <a:rPr lang="en-US" smtClean="0"/>
+              <a:rPr lang="en-US"/>
               <a:t>Click to edit Master title style</a:t>
             </a:r>
-            <a:endParaRPr lang="en-US"/>
           </a:p>
         </p:txBody>
       </p:sp>
@@ -229,10 +228,9 @@
           </a:lstStyle>
           <a:p>
             <a:r>
-              <a:rPr lang="en-US" smtClean="0"/>
+              <a:rPr lang="en-US"/>
               <a:t>Click to edit Master subtitle style</a:t>
             </a:r>
-            <a:endParaRPr lang="en-US"/>
           </a:p>
         </p:txBody>
       </p:sp>
@@ -253,7 +251,7 @@
           <a:p>
             <a:fld id="{053D9C46-81F7-41F7-AFAE-BFEBBA175E9B}" type="datetimeFigureOut">
               <a:rPr lang="en-US" smtClean="0"/>
-              <a:t>9/30/2021</a:t>
+              <a:t>1/26/2022</a:t>
             </a:fld>
             <a:endParaRPr lang="en-US"/>
           </a:p>
@@ -347,10 +345,9 @@
           <a:lstStyle/>
           <a:p>
             <a:r>
-              <a:rPr lang="en-US" smtClean="0"/>
+              <a:rPr lang="en-US"/>
               <a:t>Click to edit Master title style</a:t>
             </a:r>
-            <a:endParaRPr lang="en-US"/>
           </a:p>
         </p:txBody>
       </p:sp>
@@ -371,38 +368,37 @@
           <a:p>
             <a:pPr lvl="0"/>
             <a:r>
-              <a:rPr lang="en-US" smtClean="0"/>
+              <a:rPr lang="en-US"/>
               <a:t>Edit Master text styles</a:t>
             </a:r>
           </a:p>
           <a:p>
             <a:pPr lvl="1"/>
             <a:r>
-              <a:rPr lang="en-US" smtClean="0"/>
+              <a:rPr lang="en-US"/>
               <a:t>Second level</a:t>
             </a:r>
           </a:p>
           <a:p>
             <a:pPr lvl="2"/>
             <a:r>
-              <a:rPr lang="en-US" smtClean="0"/>
+              <a:rPr lang="en-US"/>
               <a:t>Third level</a:t>
             </a:r>
           </a:p>
           <a:p>
             <a:pPr lvl="3"/>
             <a:r>
-              <a:rPr lang="en-US" smtClean="0"/>
+              <a:rPr lang="en-US"/>
               <a:t>Fourth level</a:t>
             </a:r>
           </a:p>
           <a:p>
             <a:pPr lvl="4"/>
             <a:r>
-              <a:rPr lang="en-US" smtClean="0"/>
+              <a:rPr lang="en-US"/>
               <a:t>Fifth level</a:t>
             </a:r>
-            <a:endParaRPr lang="en-US"/>
           </a:p>
         </p:txBody>
       </p:sp>
@@ -423,7 +419,7 @@
           <a:p>
             <a:fld id="{053D9C46-81F7-41F7-AFAE-BFEBBA175E9B}" type="datetimeFigureOut">
               <a:rPr lang="en-US" smtClean="0"/>
-              <a:t>9/30/2021</a:t>
+              <a:t>1/26/2022</a:t>
             </a:fld>
             <a:endParaRPr lang="en-US"/>
           </a:p>
@@ -522,10 +518,9 @@
           <a:lstStyle/>
           <a:p>
             <a:r>
-              <a:rPr lang="en-US" smtClean="0"/>
+              <a:rPr lang="en-US"/>
               <a:t>Click to edit Master title style</a:t>
             </a:r>
-            <a:endParaRPr lang="en-US"/>
           </a:p>
         </p:txBody>
       </p:sp>
@@ -551,38 +546,37 @@
           <a:p>
             <a:pPr lvl="0"/>
             <a:r>
-              <a:rPr lang="en-US" smtClean="0"/>
+              <a:rPr lang="en-US"/>
               <a:t>Edit Master text styles</a:t>
             </a:r>
           </a:p>
           <a:p>
             <a:pPr lvl="1"/>
             <a:r>
-              <a:rPr lang="en-US" smtClean="0"/>
+              <a:rPr lang="en-US"/>
               <a:t>Second level</a:t>
             </a:r>
           </a:p>
           <a:p>
             <a:pPr lvl="2"/>
             <a:r>
-              <a:rPr lang="en-US" smtClean="0"/>
+              <a:rPr lang="en-US"/>
               <a:t>Third level</a:t>
             </a:r>
           </a:p>
           <a:p>
             <a:pPr lvl="3"/>
             <a:r>
-              <a:rPr lang="en-US" smtClean="0"/>
+              <a:rPr lang="en-US"/>
               <a:t>Fourth level</a:t>
             </a:r>
           </a:p>
           <a:p>
             <a:pPr lvl="4"/>
             <a:r>
-              <a:rPr lang="en-US" smtClean="0"/>
+              <a:rPr lang="en-US"/>
               <a:t>Fifth level</a:t>
             </a:r>
-            <a:endParaRPr lang="en-US"/>
           </a:p>
         </p:txBody>
       </p:sp>
@@ -603,7 +597,7 @@
           <a:p>
             <a:fld id="{053D9C46-81F7-41F7-AFAE-BFEBBA175E9B}" type="datetimeFigureOut">
               <a:rPr lang="en-US" smtClean="0"/>
-              <a:t>9/30/2021</a:t>
+              <a:t>1/26/2022</a:t>
             </a:fld>
             <a:endParaRPr lang="en-US"/>
           </a:p>
@@ -697,10 +691,9 @@
           <a:lstStyle/>
           <a:p>
             <a:r>
-              <a:rPr lang="en-US" smtClean="0"/>
+              <a:rPr lang="en-US"/>
               <a:t>Click to edit Master title style</a:t>
             </a:r>
-            <a:endParaRPr lang="en-US"/>
           </a:p>
         </p:txBody>
       </p:sp>
@@ -721,38 +714,37 @@
           <a:p>
             <a:pPr lvl="0"/>
             <a:r>
-              <a:rPr lang="en-US" smtClean="0"/>
+              <a:rPr lang="en-US"/>
               <a:t>Edit Master text styles</a:t>
             </a:r>
           </a:p>
           <a:p>
             <a:pPr lvl="1"/>
             <a:r>
-              <a:rPr lang="en-US" smtClean="0"/>
+              <a:rPr lang="en-US"/>
               <a:t>Second level</a:t>
             </a:r>
           </a:p>
           <a:p>
             <a:pPr lvl="2"/>
             <a:r>
-              <a:rPr lang="en-US" smtClean="0"/>
+              <a:rPr lang="en-US"/>
               <a:t>Third level</a:t>
             </a:r>
           </a:p>
           <a:p>
             <a:pPr lvl="3"/>
             <a:r>
-              <a:rPr lang="en-US" smtClean="0"/>
+              <a:rPr lang="en-US"/>
               <a:t>Fourth level</a:t>
             </a:r>
           </a:p>
           <a:p>
             <a:pPr lvl="4"/>
             <a:r>
-              <a:rPr lang="en-US" smtClean="0"/>
+              <a:rPr lang="en-US"/>
               <a:t>Fifth level</a:t>
             </a:r>
-            <a:endParaRPr lang="en-US"/>
           </a:p>
         </p:txBody>
       </p:sp>
@@ -773,7 +765,7 @@
           <a:p>
             <a:fld id="{053D9C46-81F7-41F7-AFAE-BFEBBA175E9B}" type="datetimeFigureOut">
               <a:rPr lang="en-US" smtClean="0"/>
-              <a:t>9/30/2021</a:t>
+              <a:t>1/26/2022</a:t>
             </a:fld>
             <a:endParaRPr lang="en-US"/>
           </a:p>
@@ -876,10 +868,9 @@
           </a:lstStyle>
           <a:p>
             <a:r>
-              <a:rPr lang="en-US" smtClean="0"/>
+              <a:rPr lang="en-US"/>
               <a:t>Click to edit Master title style</a:t>
             </a:r>
-            <a:endParaRPr lang="en-US"/>
           </a:p>
         </p:txBody>
       </p:sp>
@@ -996,7 +987,7 @@
           <a:p>
             <a:pPr lvl="0"/>
             <a:r>
-              <a:rPr lang="en-US" smtClean="0"/>
+              <a:rPr lang="en-US"/>
               <a:t>Edit Master text styles</a:t>
             </a:r>
           </a:p>
@@ -1019,7 +1010,7 @@
           <a:p>
             <a:fld id="{053D9C46-81F7-41F7-AFAE-BFEBBA175E9B}" type="datetimeFigureOut">
               <a:rPr lang="en-US" smtClean="0"/>
-              <a:t>9/30/2021</a:t>
+              <a:t>1/26/2022</a:t>
             </a:fld>
             <a:endParaRPr lang="en-US"/>
           </a:p>
@@ -1113,10 +1104,9 @@
           <a:lstStyle/>
           <a:p>
             <a:r>
-              <a:rPr lang="en-US" smtClean="0"/>
+              <a:rPr lang="en-US"/>
               <a:t>Click to edit Master title style</a:t>
             </a:r>
-            <a:endParaRPr lang="en-US"/>
           </a:p>
         </p:txBody>
       </p:sp>
@@ -1142,38 +1132,37 @@
           <a:p>
             <a:pPr lvl="0"/>
             <a:r>
-              <a:rPr lang="en-US" smtClean="0"/>
+              <a:rPr lang="en-US"/>
               <a:t>Edit Master text styles</a:t>
             </a:r>
           </a:p>
           <a:p>
             <a:pPr lvl="1"/>
             <a:r>
-              <a:rPr lang="en-US" smtClean="0"/>
+              <a:rPr lang="en-US"/>
               <a:t>Second level</a:t>
             </a:r>
           </a:p>
           <a:p>
             <a:pPr lvl="2"/>
             <a:r>
-              <a:rPr lang="en-US" smtClean="0"/>
+              <a:rPr lang="en-US"/>
               <a:t>Third level</a:t>
             </a:r>
           </a:p>
           <a:p>
             <a:pPr lvl="3"/>
             <a:r>
-              <a:rPr lang="en-US" smtClean="0"/>
+              <a:rPr lang="en-US"/>
               <a:t>Fourth level</a:t>
             </a:r>
           </a:p>
           <a:p>
             <a:pPr lvl="4"/>
             <a:r>
-              <a:rPr lang="en-US" smtClean="0"/>
+              <a:rPr lang="en-US"/>
               <a:t>Fifth level</a:t>
             </a:r>
-            <a:endParaRPr lang="en-US"/>
           </a:p>
         </p:txBody>
       </p:sp>
@@ -1199,38 +1188,37 @@
           <a:p>
             <a:pPr lvl="0"/>
             <a:r>
-              <a:rPr lang="en-US" smtClean="0"/>
+              <a:rPr lang="en-US"/>
               <a:t>Edit Master text styles</a:t>
             </a:r>
           </a:p>
           <a:p>
             <a:pPr lvl="1"/>
             <a:r>
-              <a:rPr lang="en-US" smtClean="0"/>
+              <a:rPr lang="en-US"/>
               <a:t>Second level</a:t>
             </a:r>
           </a:p>
           <a:p>
             <a:pPr lvl="2"/>
             <a:r>
-              <a:rPr lang="en-US" smtClean="0"/>
+              <a:rPr lang="en-US"/>
               <a:t>Third level</a:t>
             </a:r>
           </a:p>
           <a:p>
             <a:pPr lvl="3"/>
             <a:r>
-              <a:rPr lang="en-US" smtClean="0"/>
+              <a:rPr lang="en-US"/>
               <a:t>Fourth level</a:t>
             </a:r>
           </a:p>
           <a:p>
             <a:pPr lvl="4"/>
             <a:r>
-              <a:rPr lang="en-US" smtClean="0"/>
+              <a:rPr lang="en-US"/>
               <a:t>Fifth level</a:t>
             </a:r>
-            <a:endParaRPr lang="en-US"/>
           </a:p>
         </p:txBody>
       </p:sp>
@@ -1251,7 +1239,7 @@
           <a:p>
             <a:fld id="{053D9C46-81F7-41F7-AFAE-BFEBBA175E9B}" type="datetimeFigureOut">
               <a:rPr lang="en-US" smtClean="0"/>
-              <a:t>9/30/2021</a:t>
+              <a:t>1/26/2022</a:t>
             </a:fld>
             <a:endParaRPr lang="en-US"/>
           </a:p>
@@ -1350,10 +1338,9 @@
           <a:lstStyle/>
           <a:p>
             <a:r>
-              <a:rPr lang="en-US" smtClean="0"/>
+              <a:rPr lang="en-US"/>
               <a:t>Click to edit Master title style</a:t>
             </a:r>
-            <a:endParaRPr lang="en-US"/>
           </a:p>
         </p:txBody>
       </p:sp>
@@ -1416,7 +1403,7 @@
           <a:p>
             <a:pPr lvl="0"/>
             <a:r>
-              <a:rPr lang="en-US" smtClean="0"/>
+              <a:rPr lang="en-US"/>
               <a:t>Edit Master text styles</a:t>
             </a:r>
           </a:p>
@@ -1444,38 +1431,37 @@
           <a:p>
             <a:pPr lvl="0"/>
             <a:r>
-              <a:rPr lang="en-US" smtClean="0"/>
+              <a:rPr lang="en-US"/>
               <a:t>Edit Master text styles</a:t>
             </a:r>
           </a:p>
           <a:p>
             <a:pPr lvl="1"/>
             <a:r>
-              <a:rPr lang="en-US" smtClean="0"/>
+              <a:rPr lang="en-US"/>
               <a:t>Second level</a:t>
             </a:r>
           </a:p>
           <a:p>
             <a:pPr lvl="2"/>
             <a:r>
-              <a:rPr lang="en-US" smtClean="0"/>
+              <a:rPr lang="en-US"/>
               <a:t>Third level</a:t>
             </a:r>
           </a:p>
           <a:p>
             <a:pPr lvl="3"/>
             <a:r>
-              <a:rPr lang="en-US" smtClean="0"/>
+              <a:rPr lang="en-US"/>
               <a:t>Fourth level</a:t>
             </a:r>
           </a:p>
           <a:p>
             <a:pPr lvl="4"/>
             <a:r>
-              <a:rPr lang="en-US" smtClean="0"/>
+              <a:rPr lang="en-US"/>
               <a:t>Fifth level</a:t>
             </a:r>
-            <a:endParaRPr lang="en-US"/>
           </a:p>
         </p:txBody>
       </p:sp>
@@ -1538,7 +1524,7 @@
           <a:p>
             <a:pPr lvl="0"/>
             <a:r>
-              <a:rPr lang="en-US" smtClean="0"/>
+              <a:rPr lang="en-US"/>
               <a:t>Edit Master text styles</a:t>
             </a:r>
           </a:p>
@@ -1566,38 +1552,37 @@
           <a:p>
             <a:pPr lvl="0"/>
             <a:r>
-              <a:rPr lang="en-US" smtClean="0"/>
+              <a:rPr lang="en-US"/>
               <a:t>Edit Master text styles</a:t>
             </a:r>
           </a:p>
           <a:p>
             <a:pPr lvl="1"/>
             <a:r>
-              <a:rPr lang="en-US" smtClean="0"/>
+              <a:rPr lang="en-US"/>
               <a:t>Second level</a:t>
             </a:r>
           </a:p>
           <a:p>
             <a:pPr lvl="2"/>
             <a:r>
-              <a:rPr lang="en-US" smtClean="0"/>
+              <a:rPr lang="en-US"/>
               <a:t>Third level</a:t>
             </a:r>
           </a:p>
           <a:p>
             <a:pPr lvl="3"/>
             <a:r>
-              <a:rPr lang="en-US" smtClean="0"/>
+              <a:rPr lang="en-US"/>
               <a:t>Fourth level</a:t>
             </a:r>
           </a:p>
           <a:p>
             <a:pPr lvl="4"/>
             <a:r>
-              <a:rPr lang="en-US" smtClean="0"/>
+              <a:rPr lang="en-US"/>
               <a:t>Fifth level</a:t>
             </a:r>
-            <a:endParaRPr lang="en-US"/>
           </a:p>
         </p:txBody>
       </p:sp>
@@ -1618,7 +1603,7 @@
           <a:p>
             <a:fld id="{053D9C46-81F7-41F7-AFAE-BFEBBA175E9B}" type="datetimeFigureOut">
               <a:rPr lang="en-US" smtClean="0"/>
-              <a:t>9/30/2021</a:t>
+              <a:t>1/26/2022</a:t>
             </a:fld>
             <a:endParaRPr lang="en-US"/>
           </a:p>
@@ -1712,10 +1697,9 @@
           <a:lstStyle/>
           <a:p>
             <a:r>
-              <a:rPr lang="en-US" smtClean="0"/>
+              <a:rPr lang="en-US"/>
               <a:t>Click to edit Master title style</a:t>
             </a:r>
-            <a:endParaRPr lang="en-US"/>
           </a:p>
         </p:txBody>
       </p:sp>
@@ -1736,7 +1720,7 @@
           <a:p>
             <a:fld id="{053D9C46-81F7-41F7-AFAE-BFEBBA175E9B}" type="datetimeFigureOut">
               <a:rPr lang="en-US" smtClean="0"/>
-              <a:t>9/30/2021</a:t>
+              <a:t>1/26/2022</a:t>
             </a:fld>
             <a:endParaRPr lang="en-US"/>
           </a:p>
@@ -1831,7 +1815,7 @@
           <a:p>
             <a:fld id="{053D9C46-81F7-41F7-AFAE-BFEBBA175E9B}" type="datetimeFigureOut">
               <a:rPr lang="en-US" smtClean="0"/>
-              <a:t>9/30/2021</a:t>
+              <a:t>1/26/2022</a:t>
             </a:fld>
             <a:endParaRPr lang="en-US"/>
           </a:p>
@@ -1934,10 +1918,9 @@
           </a:lstStyle>
           <a:p>
             <a:r>
-              <a:rPr lang="en-US" smtClean="0"/>
+              <a:rPr lang="en-US"/>
               <a:t>Click to edit Master title style</a:t>
             </a:r>
-            <a:endParaRPr lang="en-US"/>
           </a:p>
         </p:txBody>
       </p:sp>
@@ -1991,38 +1974,37 @@
           <a:p>
             <a:pPr lvl="0"/>
             <a:r>
-              <a:rPr lang="en-US" smtClean="0"/>
+              <a:rPr lang="en-US"/>
               <a:t>Edit Master text styles</a:t>
             </a:r>
           </a:p>
           <a:p>
             <a:pPr lvl="1"/>
             <a:r>
-              <a:rPr lang="en-US" smtClean="0"/>
+              <a:rPr lang="en-US"/>
               <a:t>Second level</a:t>
             </a:r>
           </a:p>
           <a:p>
             <a:pPr lvl="2"/>
             <a:r>
-              <a:rPr lang="en-US" smtClean="0"/>
+              <a:rPr lang="en-US"/>
               <a:t>Third level</a:t>
             </a:r>
           </a:p>
           <a:p>
             <a:pPr lvl="3"/>
             <a:r>
-              <a:rPr lang="en-US" smtClean="0"/>
+              <a:rPr lang="en-US"/>
               <a:t>Fourth level</a:t>
             </a:r>
           </a:p>
           <a:p>
             <a:pPr lvl="4"/>
             <a:r>
-              <a:rPr lang="en-US" smtClean="0"/>
+              <a:rPr lang="en-US"/>
               <a:t>Fifth level</a:t>
             </a:r>
-            <a:endParaRPr lang="en-US"/>
           </a:p>
         </p:txBody>
       </p:sp>
@@ -2085,7 +2067,7 @@
           <a:p>
             <a:pPr lvl="0"/>
             <a:r>
-              <a:rPr lang="en-US" smtClean="0"/>
+              <a:rPr lang="en-US"/>
               <a:t>Edit Master text styles</a:t>
             </a:r>
           </a:p>
@@ -2108,7 +2090,7 @@
           <a:p>
             <a:fld id="{053D9C46-81F7-41F7-AFAE-BFEBBA175E9B}" type="datetimeFigureOut">
               <a:rPr lang="en-US" smtClean="0"/>
-              <a:t>9/30/2021</a:t>
+              <a:t>1/26/2022</a:t>
             </a:fld>
             <a:endParaRPr lang="en-US"/>
           </a:p>
@@ -2211,10 +2193,9 @@
           </a:lstStyle>
           <a:p>
             <a:r>
-              <a:rPr lang="en-US" smtClean="0"/>
+              <a:rPr lang="en-US"/>
               <a:t>Click to edit Master title style</a:t>
             </a:r>
-            <a:endParaRPr lang="en-US"/>
           </a:p>
         </p:txBody>
       </p:sp>
@@ -2338,7 +2319,7 @@
           <a:p>
             <a:pPr lvl="0"/>
             <a:r>
-              <a:rPr lang="en-US" smtClean="0"/>
+              <a:rPr lang="en-US"/>
               <a:t>Edit Master text styles</a:t>
             </a:r>
           </a:p>
@@ -2361,7 +2342,7 @@
           <a:p>
             <a:fld id="{053D9C46-81F7-41F7-AFAE-BFEBBA175E9B}" type="datetimeFigureOut">
               <a:rPr lang="en-US" smtClean="0"/>
-              <a:t>9/30/2021</a:t>
+              <a:t>1/26/2022</a:t>
             </a:fld>
             <a:endParaRPr lang="en-US"/>
           </a:p>
@@ -2470,10 +2451,9 @@
           <a:lstStyle/>
           <a:p>
             <a:r>
-              <a:rPr lang="en-US" smtClean="0"/>
+              <a:rPr lang="en-US"/>
               <a:t>Click to edit Master title style</a:t>
             </a:r>
-            <a:endParaRPr lang="en-US"/>
           </a:p>
         </p:txBody>
       </p:sp>
@@ -2504,38 +2484,37 @@
           <a:p>
             <a:pPr lvl="0"/>
             <a:r>
-              <a:rPr lang="en-US" smtClean="0"/>
+              <a:rPr lang="en-US"/>
               <a:t>Edit Master text styles</a:t>
             </a:r>
           </a:p>
           <a:p>
             <a:pPr lvl="1"/>
             <a:r>
-              <a:rPr lang="en-US" smtClean="0"/>
+              <a:rPr lang="en-US"/>
               <a:t>Second level</a:t>
             </a:r>
           </a:p>
           <a:p>
             <a:pPr lvl="2"/>
             <a:r>
-              <a:rPr lang="en-US" smtClean="0"/>
+              <a:rPr lang="en-US"/>
               <a:t>Third level</a:t>
             </a:r>
           </a:p>
           <a:p>
             <a:pPr lvl="3"/>
             <a:r>
-              <a:rPr lang="en-US" smtClean="0"/>
+              <a:rPr lang="en-US"/>
               <a:t>Fourth level</a:t>
             </a:r>
           </a:p>
           <a:p>
             <a:pPr lvl="4"/>
             <a:r>
-              <a:rPr lang="en-US" smtClean="0"/>
+              <a:rPr lang="en-US"/>
               <a:t>Fifth level</a:t>
             </a:r>
-            <a:endParaRPr lang="en-US"/>
           </a:p>
         </p:txBody>
       </p:sp>
@@ -2574,7 +2553,7 @@
           <a:p>
             <a:fld id="{053D9C46-81F7-41F7-AFAE-BFEBBA175E9B}" type="datetimeFigureOut">
               <a:rPr lang="en-US" smtClean="0"/>
-              <a:t>9/30/2021</a:t>
+              <a:t>1/26/2022</a:t>
             </a:fld>
             <a:endParaRPr lang="en-US"/>
           </a:p>
@@ -3002,10 +2981,9 @@
           <a:lstStyle/>
           <a:p>
             <a:r>
-              <a:rPr lang="en-US" dirty="0" smtClean="0"/>
+              <a:rPr lang="en-US" dirty="0"/>
               <a:t>High Level Processing Steps for Each Project</a:t>
             </a:r>
-            <a:endParaRPr lang="en-US" dirty="0"/>
           </a:p>
         </p:txBody>
       </p:sp>
@@ -3522,20 +3500,12 @@
             <a:p>
               <a:pPr algn="ctr"/>
               <a:r>
-                <a:rPr lang="en-US" sz="800" dirty="0" smtClean="0">
-                  <a:solidFill>
-                    <a:schemeClr val="tx1"/>
-                  </a:solidFill>
-                </a:rPr>
-                <a:t>Scan / Transfer </a:t>
-              </a:r>
-              <a:r>
                 <a:rPr lang="en-US" sz="800" dirty="0">
                   <a:solidFill>
                     <a:schemeClr val="tx1"/>
                   </a:solidFill>
                 </a:rPr>
-                <a:t>to bki</a:t>
+                <a:t>Scan / Transfer to bki</a:t>
               </a:r>
             </a:p>
           </p:txBody>
@@ -3590,18 +3560,13 @@
             <a:p>
               <a:pPr algn="ctr"/>
               <a:r>
-                <a:rPr lang="en-US" sz="800" dirty="0" smtClean="0">
+                <a:rPr lang="en-US" sz="800" dirty="0">
                   <a:solidFill>
                     <a:schemeClr val="tx1"/>
                   </a:solidFill>
                 </a:rPr>
                 <a:t>Image corrections</a:t>
               </a:r>
-              <a:endParaRPr lang="en-US" sz="800" dirty="0">
-                <a:solidFill>
-                  <a:schemeClr val="tx1"/>
-                </a:solidFill>
-              </a:endParaRPr>
             </a:p>
           </p:txBody>
         </p:sp>
@@ -3654,18 +3619,13 @@
             <a:p>
               <a:pPr algn="ctr"/>
               <a:r>
-                <a:rPr lang="en-US" sz="800" dirty="0" smtClean="0">
+                <a:rPr lang="en-US" sz="800" dirty="0">
                   <a:solidFill>
                     <a:schemeClr val="tx1"/>
                   </a:solidFill>
                 </a:rPr>
                 <a:t>inForm Processing</a:t>
               </a:r>
-              <a:endParaRPr lang="en-US" sz="800" dirty="0">
-                <a:solidFill>
-                  <a:schemeClr val="tx1"/>
-                </a:solidFill>
-              </a:endParaRPr>
             </a:p>
           </p:txBody>
         </p:sp>
@@ -3719,18 +3679,13 @@
             <a:p>
               <a:pPr algn="ctr"/>
               <a:r>
-                <a:rPr lang="en-US" sz="800" dirty="0" smtClean="0">
+                <a:rPr lang="en-US" sz="800" dirty="0">
                   <a:solidFill>
                     <a:schemeClr val="tx1"/>
                   </a:solidFill>
                 </a:rPr>
                 <a:t>Visual QC</a:t>
               </a:r>
-              <a:endParaRPr lang="en-US" sz="800" dirty="0">
-                <a:solidFill>
-                  <a:schemeClr val="tx1"/>
-                </a:solidFill>
-              </a:endParaRPr>
             </a:p>
           </p:txBody>
         </p:sp>
@@ -3895,7 +3850,7 @@
             <a:p>
               <a:pPr algn="ctr"/>
               <a:r>
-                <a:rPr lang="en-US" sz="800" dirty="0" err="1" smtClean="0">
+                <a:rPr lang="en-US" sz="800" dirty="0" err="1">
                   <a:solidFill>
                     <a:schemeClr val="tx1"/>
                   </a:solidFill>
@@ -3998,7 +3953,7 @@
             <a:p>
               <a:pPr algn="ctr"/>
               <a:r>
-                <a:rPr lang="en-US" sz="800" dirty="0" err="1" smtClean="0">
+                <a:rPr lang="en-US" sz="800" dirty="0" err="1">
                   <a:solidFill>
                     <a:schemeClr val="tx1"/>
                   </a:solidFill>
@@ -4219,7 +4174,7 @@
           <a:p>
             <a:pPr algn="ctr"/>
             <a:r>
-              <a:rPr lang="en-US" sz="1200" b="1" dirty="0" err="1" smtClean="0">
+              <a:rPr lang="en-US" sz="1200" b="1" dirty="0" err="1">
                 <a:solidFill>
                   <a:schemeClr val="tx1"/>
                 </a:solidFill>
@@ -4227,7 +4182,7 @@
               <a:t>mergeConfig</a:t>
             </a:r>
             <a:r>
-              <a:rPr lang="en-US" sz="1200" b="1" dirty="0" smtClean="0">
+              <a:rPr lang="en-US" sz="1200" b="1" dirty="0">
                 <a:solidFill>
                   <a:schemeClr val="tx1"/>
                 </a:solidFill>
@@ -4373,44 +4328,12 @@
           </a:lstStyle>
           <a:p>
             <a:r>
-              <a:rPr lang="en-US" sz="1200" dirty="0" smtClean="0">
+              <a:rPr lang="en-US" sz="1200" dirty="0">
                 <a:solidFill>
                   <a:schemeClr val="tx1"/>
                 </a:solidFill>
               </a:rPr>
-              <a:t>Read </a:t>
-            </a:r>
-            <a:r>
-              <a:rPr lang="en-US" sz="1200" dirty="0">
-                <a:solidFill>
-                  <a:schemeClr val="tx1"/>
-                </a:solidFill>
-              </a:rPr>
-              <a:t>and process </a:t>
-            </a:r>
-            <a:r>
-              <a:rPr lang="en-US" sz="1200" dirty="0" smtClean="0">
-                <a:solidFill>
-                  <a:schemeClr val="tx1"/>
-                </a:solidFill>
-              </a:rPr>
-              <a:t>the merge </a:t>
-            </a:r>
-            <a:r>
-              <a:rPr lang="en-US" sz="1200" dirty="0">
-                <a:solidFill>
-                  <a:schemeClr val="tx1"/>
-                </a:solidFill>
-              </a:rPr>
-              <a:t>file to get </a:t>
-            </a:r>
-            <a:r>
-              <a:rPr lang="en-US" sz="1200" dirty="0" smtClean="0">
-                <a:solidFill>
-                  <a:schemeClr val="tx1"/>
-                </a:solidFill>
-              </a:rPr>
-              <a:t>info like:</a:t>
+              <a:t>Read and process the merge file to get info like:</a:t>
             </a:r>
           </a:p>
           <a:p>
@@ -4419,7 +4342,7 @@
               <a:buChar char="•"/>
             </a:pPr>
             <a:r>
-              <a:rPr lang="en-US" sz="1200" dirty="0" smtClean="0">
+              <a:rPr lang="en-US" sz="1200" dirty="0">
                 <a:solidFill>
                   <a:schemeClr val="tx1"/>
                 </a:solidFill>
@@ -4433,7 +4356,7 @@
               <a:buChar char="•"/>
             </a:pPr>
             <a:r>
-              <a:rPr lang="en-US" sz="1200" dirty="0" smtClean="0">
+              <a:rPr lang="en-US" sz="1200" dirty="0">
                 <a:solidFill>
                   <a:schemeClr val="tx1"/>
                 </a:solidFill>
@@ -4447,7 +4370,7 @@
               <a:buChar char="•"/>
             </a:pPr>
             <a:r>
-              <a:rPr lang="en-US" sz="1200" dirty="0" smtClean="0">
+              <a:rPr lang="en-US" sz="1200" dirty="0">
                 <a:solidFill>
                   <a:schemeClr val="tx1"/>
                 </a:solidFill>
@@ -4466,15 +4389,7 @@
                   <a:schemeClr val="tx1"/>
                 </a:solidFill>
               </a:rPr>
-              <a:t>Which cells are in the same </a:t>
-            </a:r>
-            <a:r>
-              <a:rPr lang="en-US" sz="1200" dirty="0" smtClean="0">
-                <a:solidFill>
-                  <a:schemeClr val="tx1"/>
-                </a:solidFill>
-              </a:rPr>
-              <a:t>segmentation</a:t>
+              <a:t>Which cells are in the same segmentation</a:t>
             </a:r>
           </a:p>
           <a:p>
@@ -4483,7 +4398,7 @@
               <a:buChar char="•"/>
             </a:pPr>
             <a:r>
-              <a:rPr lang="en-US" sz="1200" dirty="0" smtClean="0">
+              <a:rPr lang="en-US" sz="1200" dirty="0">
                 <a:solidFill>
                   <a:schemeClr val="tx1"/>
                 </a:solidFill>
@@ -4497,21 +4412,16 @@
               <a:buChar char="•"/>
             </a:pPr>
             <a:r>
-              <a:rPr lang="en-US" sz="1200" dirty="0" smtClean="0">
+              <a:rPr lang="en-US" sz="1200" dirty="0">
                 <a:solidFill>
                   <a:schemeClr val="tx1"/>
                 </a:solidFill>
               </a:rPr>
               <a:t>How whether a cell is a lineage or expression marker</a:t>
             </a:r>
-            <a:endParaRPr lang="en-US" sz="1200" dirty="0">
-              <a:solidFill>
-                <a:schemeClr val="tx1"/>
-              </a:solidFill>
-            </a:endParaRPr>
           </a:p>
           <a:p>
-            <a:endParaRPr lang="en-US" sz="1200" dirty="0" smtClean="0">
+            <a:endParaRPr lang="en-US" sz="1200" dirty="0">
               <a:solidFill>
                 <a:schemeClr val="tx1"/>
               </a:solidFill>
@@ -4656,14 +4566,14 @@
           <a:p>
             <a:pPr algn="ctr"/>
             <a:r>
-              <a:rPr lang="en-US" sz="1200" b="1" dirty="0" err="1" smtClean="0">
+              <a:rPr lang="en-US" sz="1200" b="1" dirty="0" err="1">
                 <a:solidFill>
                   <a:schemeClr val="tx1"/>
                 </a:solidFill>
               </a:rPr>
               <a:t>getfilenames</a:t>
             </a:r>
-            <a:endParaRPr lang="en-US" sz="1200" b="1" dirty="0" smtClean="0">
+            <a:endParaRPr lang="en-US" sz="1200" b="1" dirty="0">
               <a:solidFill>
                 <a:schemeClr val="tx1"/>
               </a:solidFill>
@@ -4811,7 +4721,7 @@
               <a:buChar char="•"/>
             </a:pPr>
             <a:r>
-              <a:rPr lang="en-US" sz="1200" dirty="0" smtClean="0">
+              <a:rPr lang="en-US" sz="1200" dirty="0">
                 <a:solidFill>
                   <a:schemeClr val="tx1"/>
                 </a:solidFill>
@@ -4825,21 +4735,16 @@
               <a:buChar char="•"/>
             </a:pPr>
             <a:r>
-              <a:rPr lang="en-US" sz="1200" dirty="0" smtClean="0">
+              <a:rPr lang="en-US" sz="1200" dirty="0">
                 <a:solidFill>
                   <a:schemeClr val="tx1"/>
                 </a:solidFill>
               </a:rPr>
               <a:t>Check that all necessary data exists for each antibody target</a:t>
             </a:r>
-            <a:endParaRPr lang="en-US" sz="1200" dirty="0">
-              <a:solidFill>
-                <a:schemeClr val="tx1"/>
-              </a:solidFill>
-            </a:endParaRPr>
           </a:p>
           <a:p>
-            <a:endParaRPr lang="en-US" sz="1200" dirty="0" smtClean="0">
+            <a:endParaRPr lang="en-US" sz="1200" dirty="0">
               <a:solidFill>
                 <a:schemeClr val="tx1"/>
               </a:solidFill>
@@ -4984,22 +4889,14 @@
           <a:p>
             <a:pPr algn="ctr"/>
             <a:r>
-              <a:rPr lang="en-US" sz="1200" b="1" dirty="0" err="1" smtClean="0">
+              <a:rPr lang="en-US" sz="1200" b="1" dirty="0" err="1">
                 <a:solidFill>
                   <a:schemeClr val="tx1"/>
                 </a:solidFill>
               </a:rPr>
-              <a:t>fileloo</a:t>
+              <a:t>fileloop</a:t>
             </a:r>
-            <a:r>
-              <a:rPr lang="en-US" sz="1200" b="1" dirty="0" err="1">
-                <a:solidFill>
-                  <a:schemeClr val="tx1"/>
-                </a:solidFill>
-              </a:rPr>
-              <a:t>p</a:t>
-            </a:r>
-            <a:endParaRPr lang="en-US" sz="1200" b="1" dirty="0" smtClean="0">
+            <a:endParaRPr lang="en-US" sz="1200" b="1" dirty="0">
               <a:solidFill>
                 <a:schemeClr val="tx1"/>
               </a:solidFill>
@@ -5147,7 +5044,7 @@
               <a:buChar char="•"/>
             </a:pPr>
             <a:r>
-              <a:rPr lang="en-US" sz="1200" dirty="0" smtClean="0">
+              <a:rPr lang="en-US" sz="1200" dirty="0">
                 <a:solidFill>
                   <a:schemeClr val="tx1"/>
                 </a:solidFill>
@@ -5171,7 +5068,7 @@
               <a:t> </a:t>
             </a:r>
             <a:r>
-              <a:rPr lang="en-US" sz="1200" dirty="0" smtClean="0">
+              <a:rPr lang="en-US" sz="1200" dirty="0">
                 <a:solidFill>
                   <a:schemeClr val="tx1"/>
                 </a:solidFill>
@@ -5179,7 +5076,7 @@
               <a:t>in</a:t>
             </a:r>
             <a:r>
-              <a:rPr lang="en-US" sz="1200" b="1" dirty="0" smtClean="0">
+              <a:rPr lang="en-US" sz="1200" b="1" dirty="0">
                 <a:solidFill>
                   <a:schemeClr val="tx1"/>
                 </a:solidFill>
@@ -5187,36 +5084,12 @@
               <a:t> </a:t>
             </a:r>
             <a:r>
-              <a:rPr lang="en-US" sz="1200" dirty="0" smtClean="0">
+              <a:rPr lang="en-US" sz="1200" dirty="0">
                 <a:solidFill>
                   <a:schemeClr val="tx1"/>
                 </a:solidFill>
               </a:rPr>
-              <a:t>a </a:t>
-            </a:r>
-            <a:r>
-              <a:rPr lang="en-US" sz="1200" dirty="0">
-                <a:solidFill>
-                  <a:schemeClr val="tx1"/>
-                </a:solidFill>
-              </a:rPr>
-              <a:t>parallel loop </a:t>
-            </a:r>
-            <a:r>
-              <a:rPr lang="en-US" sz="1200" dirty="0" smtClean="0">
-                <a:solidFill>
-                  <a:schemeClr val="tx1"/>
-                </a:solidFill>
-              </a:rPr>
-              <a:t>for </a:t>
-            </a:r>
-            <a:r>
-              <a:rPr lang="en-US" sz="1200" dirty="0">
-                <a:solidFill>
-                  <a:schemeClr val="tx1"/>
-                </a:solidFill>
-              </a:rPr>
-              <a:t>each image</a:t>
+              <a:t>a parallel loop for each image</a:t>
             </a:r>
           </a:p>
           <a:p>
@@ -5255,7 +5128,7 @@
             </a:endParaRPr>
           </a:p>
           <a:p>
-            <a:endParaRPr lang="en-US" sz="1200" dirty="0" smtClean="0">
+            <a:endParaRPr lang="en-US" sz="1200" dirty="0">
               <a:solidFill>
                 <a:schemeClr val="tx1"/>
               </a:solidFill>
@@ -5305,7 +5178,7 @@
           </a:lstStyle>
           <a:p>
             <a:r>
-              <a:rPr lang="en-US" dirty="0" err="1" smtClean="0"/>
+              <a:rPr lang="en-US" dirty="0" err="1"/>
               <a:t>MaSS</a:t>
             </a:r>
             <a:endParaRPr lang="en-US" dirty="0"/>
@@ -5813,13 +5686,6 @@
   <p:clrMapOvr>
     <a:masterClrMapping/>
   </p:clrMapOvr>
-  <p:timing>
-    <p:tnLst>
-      <p:par>
-        <p:cTn id="1" dur="indefinite" restart="never" nodeType="tmRoot"/>
-      </p:par>
-    </p:tnLst>
-  </p:timing>
 </p:sld>
 </file>
 
@@ -5977,14 +5843,14 @@
           <a:p>
             <a:pPr algn="ctr"/>
             <a:r>
-              <a:rPr lang="en-US" sz="1200" b="1" dirty="0" err="1" smtClean="0">
+              <a:rPr lang="en-US" sz="1200" b="1" dirty="0" err="1">
                 <a:solidFill>
                   <a:schemeClr val="tx1"/>
                 </a:solidFill>
               </a:rPr>
               <a:t>readalltxt</a:t>
             </a:r>
-            <a:endParaRPr lang="en-US" sz="1200" b="1" dirty="0" smtClean="0">
+            <a:endParaRPr lang="en-US" sz="1200" b="1" dirty="0">
               <a:solidFill>
                 <a:schemeClr val="tx1"/>
               </a:solidFill>
@@ -6129,7 +5995,7 @@
           <a:p>
             <a:pPr algn="ctr"/>
             <a:r>
-              <a:rPr lang="en-US" sz="1200" b="1" dirty="0" smtClean="0">
+              <a:rPr lang="en-US" sz="1200" b="1" dirty="0">
                 <a:solidFill>
                   <a:schemeClr val="tx1"/>
                 </a:solidFill>
@@ -6143,7 +6009,7 @@
               <a:buChar char="•"/>
             </a:pPr>
             <a:r>
-              <a:rPr lang="en-US" sz="1200" dirty="0" smtClean="0">
+              <a:rPr lang="en-US" sz="1200" dirty="0">
                 <a:solidFill>
                   <a:schemeClr val="tx1"/>
                 </a:solidFill>
@@ -6157,7 +6023,7 @@
               <a:buChar char="•"/>
             </a:pPr>
             <a:r>
-              <a:rPr lang="en-US" sz="1200" dirty="0" smtClean="0">
+              <a:rPr lang="en-US" sz="1200" dirty="0">
                 <a:solidFill>
                   <a:schemeClr val="tx1"/>
                 </a:solidFill>
@@ -6171,21 +6037,16 @@
               <a:buChar char="•"/>
             </a:pPr>
             <a:r>
-              <a:rPr lang="en-US" sz="1200" dirty="0" smtClean="0">
+              <a:rPr lang="en-US" sz="1200" dirty="0">
                 <a:solidFill>
                   <a:schemeClr val="tx1"/>
                 </a:solidFill>
               </a:rPr>
               <a:t>Get the units type for each text file (pixels or microns)</a:t>
             </a:r>
-            <a:endParaRPr lang="en-US" sz="1200" dirty="0">
-              <a:solidFill>
-                <a:schemeClr val="tx1"/>
-              </a:solidFill>
-            </a:endParaRPr>
           </a:p>
           <a:p>
-            <a:endParaRPr lang="en-US" sz="1200" dirty="0" smtClean="0">
+            <a:endParaRPr lang="en-US" sz="1200" dirty="0">
               <a:solidFill>
                 <a:schemeClr val="tx1"/>
               </a:solidFill>
@@ -6330,14 +6191,14 @@
           <a:p>
             <a:pPr algn="ctr"/>
             <a:r>
-              <a:rPr lang="en-US" sz="1200" b="1" dirty="0" err="1" smtClean="0">
+              <a:rPr lang="en-US" sz="1200" b="1" dirty="0" err="1">
                 <a:solidFill>
                   <a:schemeClr val="tx1"/>
                 </a:solidFill>
               </a:rPr>
               <a:t>getphenofield</a:t>
             </a:r>
-            <a:endParaRPr lang="en-US" sz="1200" b="1" dirty="0" smtClean="0">
+            <a:endParaRPr lang="en-US" sz="1200" b="1" dirty="0">
               <a:solidFill>
                 <a:schemeClr val="tx1"/>
               </a:solidFill>
@@ -6482,7 +6343,7 @@
           <a:p>
             <a:pPr algn="ctr"/>
             <a:r>
-              <a:rPr lang="en-US" sz="1200" b="1" dirty="0" smtClean="0">
+              <a:rPr lang="en-US" sz="1200" b="1" dirty="0">
                 <a:solidFill>
                   <a:schemeClr val="tx1"/>
                 </a:solidFill>
@@ -6496,7 +6357,7 @@
               <a:buChar char="•"/>
             </a:pPr>
             <a:r>
-              <a:rPr lang="en-US" sz="1200" dirty="0" smtClean="0">
+              <a:rPr lang="en-US" sz="1200" dirty="0">
                 <a:solidFill>
                   <a:schemeClr val="tx1"/>
                 </a:solidFill>
@@ -6510,7 +6371,7 @@
               <a:buChar char="•"/>
             </a:pPr>
             <a:r>
-              <a:rPr lang="en-US" sz="1200" dirty="0" smtClean="0">
+              <a:rPr lang="en-US" sz="1200" dirty="0">
                 <a:solidFill>
                   <a:schemeClr val="tx1"/>
                 </a:solidFill>
@@ -6518,7 +6379,7 @@
               <a:t>Do a unit conversion to </a:t>
             </a:r>
             <a:r>
-              <a:rPr lang="en-US" sz="1200" dirty="0" err="1" smtClean="0">
+              <a:rPr lang="en-US" sz="1200" dirty="0" err="1">
                 <a:solidFill>
                   <a:schemeClr val="tx1"/>
                 </a:solidFill>
@@ -6526,7 +6387,7 @@
               <a:t>px</a:t>
             </a:r>
             <a:r>
-              <a:rPr lang="en-US" sz="1200" dirty="0" smtClean="0">
+              <a:rPr lang="en-US" sz="1200" dirty="0">
                 <a:solidFill>
                   <a:schemeClr val="tx1"/>
                 </a:solidFill>
@@ -6540,21 +6401,16 @@
               <a:buChar char="•"/>
             </a:pPr>
             <a:r>
-              <a:rPr lang="en-US" sz="1200" dirty="0" smtClean="0">
+              <a:rPr lang="en-US" sz="1200" dirty="0">
                 <a:solidFill>
                   <a:schemeClr val="tx1"/>
                 </a:solidFill>
               </a:rPr>
               <a:t>Establish Other cells</a:t>
             </a:r>
-            <a:endParaRPr lang="en-US" sz="1200" dirty="0">
-              <a:solidFill>
-                <a:schemeClr val="tx1"/>
-              </a:solidFill>
-            </a:endParaRPr>
           </a:p>
           <a:p>
-            <a:endParaRPr lang="en-US" sz="1200" dirty="0" smtClean="0">
+            <a:endParaRPr lang="en-US" sz="1200" dirty="0">
               <a:solidFill>
                 <a:schemeClr val="tx1"/>
               </a:solidFill>
@@ -6699,14 +6555,14 @@
           <a:p>
             <a:pPr algn="ctr"/>
             <a:r>
-              <a:rPr lang="en-US" sz="1200" b="1" dirty="0" err="1" smtClean="0">
+              <a:rPr lang="en-US" sz="1200" b="1" dirty="0" err="1">
                 <a:solidFill>
                   <a:schemeClr val="tx1"/>
                 </a:solidFill>
               </a:rPr>
               <a:t>getdistinct</a:t>
             </a:r>
-            <a:endParaRPr lang="en-US" sz="1200" b="1" dirty="0" smtClean="0">
+            <a:endParaRPr lang="en-US" sz="1200" b="1" dirty="0">
               <a:solidFill>
                 <a:schemeClr val="tx1"/>
               </a:solidFill>
@@ -6865,7 +6721,7 @@
               <a:buChar char="•"/>
             </a:pPr>
             <a:r>
-              <a:rPr lang="en-US" sz="1200" dirty="0" smtClean="0">
+              <a:rPr lang="en-US" sz="1200" dirty="0">
                 <a:solidFill>
                   <a:schemeClr val="tx1"/>
                 </a:solidFill>
@@ -6879,7 +6735,7 @@
               <a:buChar char="•"/>
             </a:pPr>
             <a:r>
-              <a:rPr lang="en-US" sz="1200" dirty="0" smtClean="0">
+              <a:rPr lang="en-US" sz="1200" dirty="0">
                 <a:solidFill>
                   <a:schemeClr val="tx1"/>
                 </a:solidFill>
@@ -7072,14 +6928,14 @@
           <a:p>
             <a:pPr algn="ctr"/>
             <a:r>
-              <a:rPr lang="en-US" sz="1200" b="1" dirty="0" err="1" smtClean="0">
+              <a:rPr lang="en-US" sz="1200" b="1" dirty="0" err="1">
                 <a:solidFill>
                   <a:schemeClr val="tx1"/>
                 </a:solidFill>
               </a:rPr>
               <a:t>getcoex</a:t>
             </a:r>
-            <a:endParaRPr lang="en-US" sz="1200" b="1" dirty="0" smtClean="0">
+            <a:endParaRPr lang="en-US" sz="1200" b="1" dirty="0">
               <a:solidFill>
                 <a:schemeClr val="tx1"/>
               </a:solidFill>
@@ -7224,14 +7080,14 @@
           <a:p>
             <a:pPr algn="ctr"/>
             <a:r>
-              <a:rPr lang="en-US" sz="1200" b="1" dirty="0" err="1" smtClean="0">
+              <a:rPr lang="en-US" sz="1200" b="1" dirty="0" err="1">
                 <a:solidFill>
                   <a:schemeClr val="tx1"/>
                 </a:solidFill>
               </a:rPr>
               <a:t>getseg</a:t>
             </a:r>
-            <a:endParaRPr lang="en-US" sz="1200" b="1" dirty="0" smtClean="0">
+            <a:endParaRPr lang="en-US" sz="1200" b="1" dirty="0">
               <a:solidFill>
                 <a:schemeClr val="tx1"/>
               </a:solidFill>
@@ -7376,14 +7232,14 @@
           <a:p>
             <a:pPr algn="ctr"/>
             <a:r>
-              <a:rPr lang="en-US" sz="1200" b="1" dirty="0" err="1" smtClean="0">
+              <a:rPr lang="en-US" sz="1200" b="1" dirty="0" err="1">
                 <a:solidFill>
                   <a:srgbClr val="FF0000"/>
                 </a:solidFill>
               </a:rPr>
               <a:t>getexprmark</a:t>
             </a:r>
-            <a:endParaRPr lang="en-US" sz="1200" b="1" dirty="0" smtClean="0">
+            <a:endParaRPr lang="en-US" sz="1200" b="1" dirty="0">
               <a:solidFill>
                 <a:srgbClr val="FF0000"/>
               </a:solidFill>
@@ -7528,14 +7384,14 @@
           <a:p>
             <a:pPr algn="ctr"/>
             <a:r>
-              <a:rPr lang="en-US" sz="1200" b="1" dirty="0" err="1" smtClean="0">
+              <a:rPr lang="en-US" sz="1200" b="1" dirty="0" err="1">
                 <a:solidFill>
                   <a:schemeClr val="tx1"/>
                 </a:solidFill>
               </a:rPr>
               <a:t>parsave</a:t>
             </a:r>
-            <a:endParaRPr lang="en-US" sz="1200" b="1" dirty="0" smtClean="0">
+            <a:endParaRPr lang="en-US" sz="1200" b="1" dirty="0">
               <a:solidFill>
                 <a:schemeClr val="tx1"/>
               </a:solidFill>
@@ -7740,7 +7596,7 @@
               <a:buChar char="•"/>
             </a:pPr>
             <a:r>
-              <a:rPr lang="en-US" sz="1200" dirty="0" smtClean="0">
+              <a:rPr lang="en-US" sz="1200" dirty="0">
                 <a:solidFill>
                   <a:schemeClr val="tx1"/>
                 </a:solidFill>
@@ -7754,7 +7610,7 @@
               <a:buChar char="•"/>
             </a:pPr>
             <a:r>
-              <a:rPr lang="en-US" sz="1200" dirty="0" smtClean="0">
+              <a:rPr lang="en-US" sz="1200" dirty="0">
                 <a:solidFill>
                   <a:schemeClr val="tx1"/>
                 </a:solidFill>
@@ -7915,7 +7771,7 @@
               <a:buChar char="•"/>
             </a:pPr>
             <a:r>
-              <a:rPr lang="en-US" sz="1200" dirty="0" smtClean="0">
+              <a:rPr lang="en-US" sz="1200" dirty="0">
                 <a:solidFill>
                   <a:srgbClr val="FF0000"/>
                 </a:solidFill>
@@ -7923,7 +7779,7 @@
               <a:t>Establish the expression marker positivity on </a:t>
             </a:r>
             <a:r>
-              <a:rPr lang="en-US" sz="1200" i="1" dirty="0" smtClean="0">
+              <a:rPr lang="en-US" sz="1200" i="1" dirty="0">
                 <a:solidFill>
                   <a:srgbClr val="FF0000"/>
                 </a:solidFill>
@@ -7931,7 +7787,7 @@
               <a:t>membranes </a:t>
             </a:r>
             <a:r>
-              <a:rPr lang="en-US" sz="1200" dirty="0" smtClean="0">
+              <a:rPr lang="en-US" sz="1200" dirty="0">
                 <a:solidFill>
                   <a:srgbClr val="FF0000"/>
                 </a:solidFill>
@@ -7945,7 +7801,7 @@
               <a:buChar char="•"/>
             </a:pPr>
             <a:r>
-              <a:rPr lang="en-US" sz="1200" dirty="0" smtClean="0">
+              <a:rPr lang="en-US" sz="1200" dirty="0">
                 <a:solidFill>
                   <a:srgbClr val="FF0000"/>
                 </a:solidFill>
@@ -8106,7 +7962,7 @@
               <a:buChar char="•"/>
             </a:pPr>
             <a:r>
-              <a:rPr lang="en-US" sz="1200" dirty="0" smtClean="0">
+              <a:rPr lang="en-US" sz="1200" dirty="0">
                 <a:solidFill>
                   <a:schemeClr val="tx1"/>
                 </a:solidFill>
@@ -8114,7 +7970,7 @@
               <a:t>remove ‘Other’ cell centers inside </a:t>
             </a:r>
             <a:r>
-              <a:rPr lang="en-US" sz="1200" i="1" dirty="0" smtClean="0">
+              <a:rPr lang="en-US" sz="1200" i="1" dirty="0">
                 <a:solidFill>
                   <a:schemeClr val="tx1"/>
                 </a:solidFill>
@@ -8122,7 +7978,7 @@
               <a:t>membranes </a:t>
             </a:r>
             <a:r>
-              <a:rPr lang="en-US" sz="1200" dirty="0" smtClean="0">
+              <a:rPr lang="en-US" sz="1200" dirty="0">
                 <a:solidFill>
                   <a:schemeClr val="tx1"/>
                 </a:solidFill>
@@ -8283,7 +8139,7 @@
               <a:buChar char="•"/>
             </a:pPr>
             <a:r>
-              <a:rPr lang="en-US" sz="1200" dirty="0" smtClean="0">
+              <a:rPr lang="en-US" sz="1200" dirty="0">
                 <a:solidFill>
                   <a:schemeClr val="tx1"/>
                 </a:solidFill>
@@ -8989,13 +8845,6 @@
   <p:clrMapOvr>
     <a:masterClrMapping/>
   </p:clrMapOvr>
-  <p:timing>
-    <p:tnLst>
-      <p:par>
-        <p:cTn id="1" dur="indefinite" restart="never" nodeType="tmRoot"/>
-      </p:par>
-    </p:tnLst>
-  </p:timing>
 </p:sld>
 </file>
 
@@ -9144,20 +8993,12 @@
               <a:p>
                 <a:pPr algn="ctr"/>
                 <a:r>
-                  <a:rPr lang="en-US" sz="800" dirty="0" smtClean="0">
-                    <a:solidFill>
-                      <a:schemeClr val="tx1"/>
-                    </a:solidFill>
-                  </a:rPr>
-                  <a:t>Update </a:t>
-                </a:r>
-                <a:r>
                   <a:rPr lang="en-US" sz="800" dirty="0">
                     <a:solidFill>
                       <a:schemeClr val="tx1"/>
                     </a:solidFill>
                   </a:rPr>
-                  <a:t>Specimen Table</a:t>
+                  <a:t>Update Specimen Table</a:t>
                 </a:r>
               </a:p>
             </p:txBody>
@@ -9212,7 +9053,7 @@
               <a:p>
                 <a:pPr algn="ctr"/>
                 <a:r>
-                  <a:rPr lang="en-US" sz="800" dirty="0" err="1" smtClean="0">
+                  <a:rPr lang="en-US" sz="800" dirty="0" err="1">
                     <a:solidFill>
                       <a:schemeClr val="tx1"/>
                     </a:solidFill>
@@ -9220,20 +9061,12 @@
                   <a:t>AstroID</a:t>
                 </a:r>
                 <a:r>
-                  <a:rPr lang="en-US" sz="800" dirty="0" smtClean="0">
-                    <a:solidFill>
-                      <a:schemeClr val="tx1"/>
-                    </a:solidFill>
-                  </a:rPr>
-                  <a:t> </a:t>
-                </a:r>
-                <a:r>
                   <a:rPr lang="en-US" sz="800" dirty="0">
                     <a:solidFill>
                       <a:schemeClr val="tx1"/>
                     </a:solidFill>
                   </a:rPr>
-                  <a:t>Gen</a:t>
+                  <a:t> Gen</a:t>
                 </a:r>
               </a:p>
             </p:txBody>
@@ -9288,20 +9121,12 @@
               <a:p>
                 <a:pPr algn="ctr"/>
                 <a:r>
-                  <a:rPr lang="en-US" sz="800" dirty="0" smtClean="0">
-                    <a:solidFill>
-                      <a:schemeClr val="tx1"/>
-                    </a:solidFill>
-                  </a:rPr>
-                  <a:t>Transfer </a:t>
-                </a:r>
-                <a:r>
                   <a:rPr lang="en-US" sz="800" dirty="0">
                     <a:solidFill>
                       <a:schemeClr val="tx1"/>
                     </a:solidFill>
                   </a:rPr>
-                  <a:t>to bki</a:t>
+                  <a:t>Transfer to bki</a:t>
                 </a:r>
               </a:p>
             </p:txBody>
@@ -9356,20 +9181,12 @@
               <a:p>
                 <a:pPr algn="ctr"/>
                 <a:r>
-                  <a:rPr lang="en-US" sz="800" dirty="0" smtClean="0">
-                    <a:solidFill>
-                      <a:schemeClr val="tx1"/>
-                    </a:solidFill>
-                  </a:rPr>
-                  <a:t>Overview </a:t>
-                </a:r>
-                <a:r>
                   <a:rPr lang="en-US" sz="800" dirty="0">
                     <a:solidFill>
                       <a:schemeClr val="tx1"/>
                     </a:solidFill>
                   </a:rPr>
-                  <a:t>Scan</a:t>
+                  <a:t>Overview Scan</a:t>
                 </a:r>
               </a:p>
             </p:txBody>
@@ -9424,20 +9241,12 @@
               <a:p>
                 <a:pPr algn="ctr"/>
                 <a:r>
-                  <a:rPr lang="en-US" sz="800" dirty="0" smtClean="0">
-                    <a:solidFill>
-                      <a:schemeClr val="tx1"/>
-                    </a:solidFill>
-                  </a:rPr>
-                  <a:t>Slide </a:t>
-                </a:r>
-                <a:r>
                   <a:rPr lang="en-US" sz="800" dirty="0">
                     <a:solidFill>
                       <a:schemeClr val="tx1"/>
                     </a:solidFill>
                   </a:rPr>
-                  <a:t>Received</a:t>
+                  <a:t>Slide Received</a:t>
                 </a:r>
               </a:p>
             </p:txBody>
@@ -9492,20 +9301,12 @@
               <a:p>
                 <a:pPr algn="ctr"/>
                 <a:r>
-                  <a:rPr lang="en-US" sz="800" dirty="0" smtClean="0">
-                    <a:solidFill>
-                      <a:schemeClr val="tx1"/>
-                    </a:solidFill>
-                  </a:rPr>
-                  <a:t>Slides </a:t>
-                </a:r>
-                <a:r>
                   <a:rPr lang="en-US" sz="800" dirty="0">
                     <a:solidFill>
                       <a:schemeClr val="tx1"/>
                     </a:solidFill>
                   </a:rPr>
-                  <a:t>Stained</a:t>
+                  <a:t>Slides Stained</a:t>
                 </a:r>
               </a:p>
             </p:txBody>
@@ -9560,20 +9361,12 @@
               <a:p>
                 <a:pPr algn="ctr"/>
                 <a:r>
-                  <a:rPr lang="en-US" sz="800" dirty="0" smtClean="0">
-                    <a:solidFill>
-                      <a:schemeClr val="tx1"/>
-                    </a:solidFill>
-                  </a:rPr>
-                  <a:t>TMA </a:t>
-                </a:r>
-                <a:r>
                   <a:rPr lang="en-US" sz="800" dirty="0">
                     <a:solidFill>
                       <a:schemeClr val="tx1"/>
                     </a:solidFill>
                   </a:rPr>
-                  <a:t>QC</a:t>
+                  <a:t>TMA QC</a:t>
                 </a:r>
               </a:p>
             </p:txBody>
@@ -9628,20 +9421,12 @@
               <a:p>
                 <a:pPr algn="ctr"/>
                 <a:r>
-                  <a:rPr lang="en-US" sz="800" dirty="0" smtClean="0">
-                    <a:solidFill>
-                      <a:schemeClr val="tx1"/>
-                    </a:solidFill>
-                  </a:rPr>
-                  <a:t>Create </a:t>
-                </a:r>
-                <a:r>
                   <a:rPr lang="en-US" sz="800" dirty="0">
                     <a:solidFill>
                       <a:schemeClr val="tx1"/>
                     </a:solidFill>
                   </a:rPr>
-                  <a:t>scanning plan</a:t>
+                  <a:t>Create scanning plan</a:t>
                 </a:r>
               </a:p>
             </p:txBody>
@@ -9696,20 +9481,12 @@
               <a:p>
                 <a:pPr algn="ctr"/>
                 <a:r>
-                  <a:rPr lang="en-US" sz="800" dirty="0" smtClean="0">
-                    <a:solidFill>
-                      <a:schemeClr val="tx1"/>
-                    </a:solidFill>
-                  </a:rPr>
-                  <a:t>Slides </a:t>
-                </a:r>
-                <a:r>
                   <a:rPr lang="en-US" sz="800" dirty="0">
                     <a:solidFill>
                       <a:schemeClr val="tx1"/>
                     </a:solidFill>
                   </a:rPr>
-                  <a:t>scanned</a:t>
+                  <a:t>Slides scanned</a:t>
                 </a:r>
               </a:p>
             </p:txBody>
@@ -9764,7 +9541,7 @@
               <a:p>
                 <a:pPr algn="ctr"/>
                 <a:r>
-                  <a:rPr lang="en-US" sz="800" dirty="0" err="1" smtClean="0">
+                  <a:rPr lang="en-US" sz="800" dirty="0" err="1">
                     <a:solidFill>
                       <a:schemeClr val="tx1"/>
                     </a:solidFill>
@@ -9772,20 +9549,12 @@
                   <a:t>BatchID</a:t>
                 </a:r>
                 <a:r>
-                  <a:rPr lang="en-US" sz="800" dirty="0" smtClean="0">
-                    <a:solidFill>
-                      <a:schemeClr val="tx1"/>
-                    </a:solidFill>
-                  </a:rPr>
-                  <a:t> </a:t>
-                </a:r>
-                <a:r>
                   <a:rPr lang="en-US" sz="800" dirty="0">
                     <a:solidFill>
                       <a:schemeClr val="tx1"/>
                     </a:solidFill>
                   </a:rPr>
-                  <a:t>added</a:t>
+                  <a:t> added</a:t>
                 </a:r>
               </a:p>
             </p:txBody>
@@ -10742,20 +10511,12 @@
               <a:p>
                 <a:pPr algn="ctr"/>
                 <a:r>
-                  <a:rPr lang="en-US" sz="800" dirty="0" smtClean="0">
-                    <a:solidFill>
-                      <a:schemeClr val="tx1"/>
-                    </a:solidFill>
-                  </a:rPr>
-                  <a:t>Update </a:t>
-                </a:r>
-                <a:r>
                   <a:rPr lang="en-US" sz="800" dirty="0">
                     <a:solidFill>
                       <a:schemeClr val="tx1"/>
                     </a:solidFill>
                   </a:rPr>
-                  <a:t>Specimen Table</a:t>
+                  <a:t>Update Specimen Table</a:t>
                 </a:r>
               </a:p>
             </p:txBody>
@@ -10810,7 +10571,7 @@
               <a:p>
                 <a:pPr algn="ctr"/>
                 <a:r>
-                  <a:rPr lang="en-US" sz="800" dirty="0" err="1" smtClean="0">
+                  <a:rPr lang="en-US" sz="800" dirty="0" err="1">
                     <a:solidFill>
                       <a:schemeClr val="tx1"/>
                     </a:solidFill>
@@ -10818,20 +10579,12 @@
                   <a:t>AstroID</a:t>
                 </a:r>
                 <a:r>
-                  <a:rPr lang="en-US" sz="800" dirty="0" smtClean="0">
-                    <a:solidFill>
-                      <a:schemeClr val="tx1"/>
-                    </a:solidFill>
-                  </a:rPr>
-                  <a:t> </a:t>
-                </a:r>
-                <a:r>
                   <a:rPr lang="en-US" sz="800" dirty="0">
                     <a:solidFill>
                       <a:schemeClr val="tx1"/>
                     </a:solidFill>
                   </a:rPr>
-                  <a:t>Gen</a:t>
+                  <a:t> Gen</a:t>
                 </a:r>
               </a:p>
             </p:txBody>
@@ -10886,20 +10639,12 @@
               <a:p>
                 <a:pPr algn="ctr"/>
                 <a:r>
-                  <a:rPr lang="en-US" sz="800" dirty="0" smtClean="0">
-                    <a:solidFill>
-                      <a:schemeClr val="tx1"/>
-                    </a:solidFill>
-                  </a:rPr>
-                  <a:t>Transfer </a:t>
-                </a:r>
-                <a:r>
                   <a:rPr lang="en-US" sz="800" dirty="0">
                     <a:solidFill>
                       <a:schemeClr val="tx1"/>
                     </a:solidFill>
                   </a:rPr>
-                  <a:t>to bki</a:t>
+                  <a:t>Transfer to bki</a:t>
                 </a:r>
               </a:p>
             </p:txBody>
@@ -10954,7 +10699,7 @@
               <a:p>
                 <a:pPr algn="ctr"/>
                 <a:r>
-                  <a:rPr lang="en-US" sz="800" dirty="0" err="1" smtClean="0">
+                  <a:rPr lang="en-US" sz="800" dirty="0" err="1">
                     <a:solidFill>
                       <a:schemeClr val="tx1"/>
                     </a:solidFill>
@@ -11019,20 +10764,12 @@
               <a:p>
                 <a:pPr algn="ctr"/>
                 <a:r>
-                  <a:rPr lang="en-US" sz="800" dirty="0" smtClean="0">
-                    <a:solidFill>
-                      <a:schemeClr val="tx1"/>
-                    </a:solidFill>
-                  </a:rPr>
-                  <a:t>Slide </a:t>
-                </a:r>
-                <a:r>
                   <a:rPr lang="en-US" sz="800" dirty="0">
                     <a:solidFill>
                       <a:schemeClr val="tx1"/>
                     </a:solidFill>
                   </a:rPr>
-                  <a:t>Received</a:t>
+                  <a:t>Slide Received</a:t>
                 </a:r>
               </a:p>
             </p:txBody>
@@ -11087,20 +10824,12 @@
               <a:p>
                 <a:pPr algn="ctr"/>
                 <a:r>
-                  <a:rPr lang="en-US" sz="800" dirty="0" smtClean="0">
-                    <a:solidFill>
-                      <a:schemeClr val="tx1"/>
-                    </a:solidFill>
-                  </a:rPr>
-                  <a:t>Slides </a:t>
-                </a:r>
-                <a:r>
                   <a:rPr lang="en-US" sz="800" dirty="0">
                     <a:solidFill>
                       <a:schemeClr val="tx1"/>
                     </a:solidFill>
                   </a:rPr>
-                  <a:t>Stained</a:t>
+                  <a:t>Slides Stained</a:t>
                 </a:r>
               </a:p>
             </p:txBody>
@@ -11155,20 +10884,12 @@
               <a:p>
                 <a:pPr algn="ctr"/>
                 <a:r>
-                  <a:rPr lang="en-US" sz="800" dirty="0" smtClean="0">
-                    <a:solidFill>
-                      <a:schemeClr val="tx1"/>
-                    </a:solidFill>
-                  </a:rPr>
-                  <a:t>TMA </a:t>
-                </a:r>
-                <a:r>
                   <a:rPr lang="en-US" sz="800" dirty="0">
                     <a:solidFill>
                       <a:schemeClr val="tx1"/>
                     </a:solidFill>
                   </a:rPr>
-                  <a:t>QC</a:t>
+                  <a:t>TMA QC</a:t>
                 </a:r>
               </a:p>
             </p:txBody>
@@ -11223,7 +10944,7 @@
               <a:p>
                 <a:pPr algn="ctr"/>
                 <a:r>
-                  <a:rPr lang="en-US" sz="800" dirty="0" err="1" smtClean="0">
+                  <a:rPr lang="en-US" sz="800" dirty="0" err="1">
                     <a:solidFill>
                       <a:schemeClr val="tx1"/>
                     </a:solidFill>
@@ -11288,18 +11009,13 @@
               <a:p>
                 <a:pPr algn="ctr"/>
                 <a:r>
-                  <a:rPr lang="en-US" sz="800" dirty="0" smtClean="0">
+                  <a:rPr lang="en-US" sz="800" dirty="0">
                     <a:solidFill>
                       <a:schemeClr val="tx1"/>
                     </a:solidFill>
                   </a:rPr>
                   <a:t>im3scan</a:t>
                 </a:r>
-                <a:endParaRPr lang="en-US" sz="800" dirty="0">
-                  <a:solidFill>
-                    <a:schemeClr val="tx1"/>
-                  </a:solidFill>
-                </a:endParaRPr>
               </a:p>
             </p:txBody>
           </p:sp>
@@ -11353,7 +11069,7 @@
               <a:p>
                 <a:pPr algn="ctr"/>
                 <a:r>
-                  <a:rPr lang="en-US" sz="800" dirty="0" err="1" smtClean="0">
+                  <a:rPr lang="en-US" sz="800" dirty="0" err="1">
                     <a:solidFill>
                       <a:schemeClr val="tx1"/>
                     </a:solidFill>
@@ -11361,20 +11077,12 @@
                   <a:t>BatchID</a:t>
                 </a:r>
                 <a:r>
-                  <a:rPr lang="en-US" sz="800" dirty="0" smtClean="0">
-                    <a:solidFill>
-                      <a:schemeClr val="tx1"/>
-                    </a:solidFill>
-                  </a:rPr>
-                  <a:t> </a:t>
-                </a:r>
-                <a:r>
                   <a:rPr lang="en-US" sz="800" dirty="0">
                     <a:solidFill>
                       <a:schemeClr val="tx1"/>
                     </a:solidFill>
                   </a:rPr>
-                  <a:t>added</a:t>
+                  <a:t> added</a:t>
                 </a:r>
               </a:p>
             </p:txBody>
@@ -11843,10 +11551,9 @@
           <a:lstStyle/>
           <a:p>
             <a:r>
-              <a:rPr lang="en-US" dirty="0" smtClean="0"/>
+              <a:rPr lang="en-US" dirty="0"/>
               <a:t>Current Development</a:t>
             </a:r>
-            <a:endParaRPr lang="en-US" dirty="0"/>
           </a:p>
         </p:txBody>
       </p:sp>
@@ -11873,10 +11580,9 @@
           <a:lstStyle/>
           <a:p>
             <a:r>
-              <a:rPr lang="en-US" dirty="0" smtClean="0"/>
+              <a:rPr lang="en-US" dirty="0"/>
               <a:t>In Development</a:t>
             </a:r>
-            <a:endParaRPr lang="en-US" dirty="0"/>
           </a:p>
         </p:txBody>
       </p:sp>
@@ -12049,10 +11755,9 @@
           <a:lstStyle/>
           <a:p>
             <a:r>
-              <a:rPr lang="en-US" dirty="0" smtClean="0"/>
+              <a:rPr lang="en-US" dirty="0"/>
               <a:t>Scans Overview</a:t>
             </a:r>
-            <a:endParaRPr lang="en-US" dirty="0"/>
           </a:p>
         </p:txBody>
       </p:sp>
@@ -12106,18 +11811,13 @@
           <a:p>
             <a:pPr algn="ctr"/>
             <a:r>
-              <a:rPr lang="en-US" sz="1200" dirty="0" smtClean="0">
+              <a:rPr lang="en-US" sz="1200" dirty="0">
                 <a:solidFill>
                   <a:schemeClr val="tx1"/>
                 </a:solidFill>
               </a:rPr>
               <a:t>im3scan</a:t>
             </a:r>
-            <a:endParaRPr lang="en-US" sz="1200" dirty="0">
-              <a:solidFill>
-                <a:schemeClr val="tx1"/>
-              </a:solidFill>
-            </a:endParaRPr>
           </a:p>
         </p:txBody>
       </p:sp>
@@ -12171,7 +11871,7 @@
           <a:p>
             <a:pPr algn="ctr"/>
             <a:r>
-              <a:rPr lang="en-US" sz="1200" dirty="0" err="1" smtClean="0">
+              <a:rPr lang="en-US" sz="1200" dirty="0" err="1">
                 <a:solidFill>
                   <a:schemeClr val="tx1"/>
                 </a:solidFill>
@@ -12279,7 +11979,7 @@
           <a:p>
             <a:pPr algn="ctr"/>
             <a:r>
-              <a:rPr lang="en-US" sz="1200" dirty="0" err="1" smtClean="0">
+              <a:rPr lang="en-US" sz="1200" dirty="0" err="1">
                 <a:solidFill>
                   <a:schemeClr val="tx1"/>
                 </a:solidFill>
@@ -12390,18 +12090,13 @@
               <a:buChar char="•"/>
             </a:pPr>
             <a:r>
-              <a:rPr lang="en-US" sz="1200" dirty="0" smtClean="0">
+              <a:rPr lang="en-US" sz="1200" dirty="0">
                 <a:solidFill>
                   <a:schemeClr val="tx1"/>
                 </a:solidFill>
               </a:rPr>
               <a:t>Logs an event each time a new scan folder is present for a sample</a:t>
             </a:r>
-            <a:endParaRPr lang="en-US" sz="1200" dirty="0">
-              <a:solidFill>
-                <a:schemeClr val="tx1"/>
-              </a:solidFill>
-            </a:endParaRPr>
           </a:p>
           <a:p>
             <a:pPr algn="ctr"/>
@@ -12466,7 +12161,7 @@
               <a:buChar char="•"/>
             </a:pPr>
             <a:r>
-              <a:rPr lang="en-US" sz="1200" dirty="0" smtClean="0">
+              <a:rPr lang="en-US" sz="1200" dirty="0">
                 <a:solidFill>
                   <a:schemeClr val="tx1"/>
                 </a:solidFill>
@@ -12480,18 +12175,13 @@
               <a:buChar char="•"/>
             </a:pPr>
             <a:r>
-              <a:rPr lang="en-US" sz="1200" dirty="0" smtClean="0">
+              <a:rPr lang="en-US" sz="1200" dirty="0">
                 <a:solidFill>
                   <a:schemeClr val="tx1"/>
                 </a:solidFill>
               </a:rPr>
               <a:t>Open the scanning plan and report number of pending for acquisition im3s (if that value has gone up since the previous check for a slide-scan pair) </a:t>
             </a:r>
-            <a:endParaRPr lang="en-US" sz="1200" dirty="0">
-              <a:solidFill>
-                <a:schemeClr val="tx1"/>
-              </a:solidFill>
-            </a:endParaRPr>
           </a:p>
           <a:p>
             <a:pPr algn="ctr"/>
@@ -12556,18 +12246,13 @@
               <a:buChar char="•"/>
             </a:pPr>
             <a:r>
-              <a:rPr lang="en-US" sz="1200" dirty="0" smtClean="0">
+              <a:rPr lang="en-US" sz="1200" dirty="0">
                 <a:solidFill>
                   <a:schemeClr val="tx1"/>
                 </a:solidFill>
               </a:rPr>
               <a:t>Reports the number of im3s out of number of expected im3s based on the scanning plan</a:t>
             </a:r>
-            <a:endParaRPr lang="en-US" sz="1200" dirty="0">
-              <a:solidFill>
-                <a:schemeClr val="tx1"/>
-              </a:solidFill>
-            </a:endParaRPr>
           </a:p>
           <a:p>
             <a:pPr algn="ctr"/>
@@ -13202,7 +12887,7 @@
         </p:nvSpPr>
         <p:spPr>
           <a:xfrm>
-            <a:off x="6027894" y="1584668"/>
+            <a:off x="6566577" y="1602737"/>
             <a:ext cx="926173" cy="240701"/>
           </a:xfrm>
           <a:prstGeom prst="roundRect">
@@ -13313,7 +12998,7 @@
         </p:nvSpPr>
         <p:spPr>
           <a:xfrm>
-            <a:off x="6020492" y="1190069"/>
+            <a:off x="6665205" y="1190069"/>
             <a:ext cx="926173" cy="240701"/>
           </a:xfrm>
           <a:prstGeom prst="roundRect">
@@ -13426,50 +13111,12 @@
           <p:nvPr/>
         </p:nvCxnSpPr>
         <p:spPr>
-          <a:xfrm rot="16200000" flipH="1">
-            <a:off x="6410330" y="1504018"/>
-            <a:ext cx="153899" cy="7402"/>
+          <a:xfrm rot="5400000">
+            <a:off x="6992995" y="1467439"/>
+            <a:ext cx="171967" cy="98628"/>
           </a:xfrm>
           <a:prstGeom prst="curvedConnector3">
             <a:avLst/>
-          </a:prstGeom>
-          <a:ln>
-            <a:tailEnd type="triangle"/>
-          </a:ln>
-        </p:spPr>
-        <p:style>
-          <a:lnRef idx="1">
-            <a:schemeClr val="accent1"/>
-          </a:lnRef>
-          <a:fillRef idx="0">
-            <a:schemeClr val="accent1"/>
-          </a:fillRef>
-          <a:effectRef idx="0">
-            <a:schemeClr val="accent1"/>
-          </a:effectRef>
-          <a:fontRef idx="minor">
-            <a:schemeClr val="tx1"/>
-          </a:fontRef>
-        </p:style>
-      </p:cxnSp>
-      <p:cxnSp>
-        <p:nvCxnSpPr>
-          <p:cNvPr id="78" name="Curved Connector 77"/>
-          <p:cNvCxnSpPr>
-            <a:stCxn id="54" idx="2"/>
-            <a:endCxn id="59" idx="0"/>
-          </p:cNvCxnSpPr>
-          <p:nvPr/>
-        </p:nvCxnSpPr>
-        <p:spPr>
-          <a:xfrm rot="16200000" flipH="1">
-            <a:off x="6080105" y="2236245"/>
-            <a:ext cx="836261" cy="14508"/>
-          </a:xfrm>
-          <a:prstGeom prst="curvedConnector3">
-            <a:avLst>
-              <a:gd name="adj1" fmla="val 50000"/>
-            </a:avLst>
           </a:prstGeom>
           <a:ln>
             <a:tailEnd type="triangle"/>
@@ -15174,43 +14821,6 @@
       </p:cxnSp>
       <p:cxnSp>
         <p:nvCxnSpPr>
-          <p:cNvPr id="63" name="Curved Connector 62"/>
-          <p:cNvCxnSpPr>
-            <a:cxnSpLocks/>
-            <a:stCxn id="55" idx="2"/>
-            <a:endCxn id="57" idx="1"/>
-          </p:cNvCxnSpPr>
-          <p:nvPr/>
-        </p:nvCxnSpPr>
-        <p:spPr>
-          <a:xfrm rot="16200000" flipH="1">
-            <a:off x="4915576" y="205503"/>
-            <a:ext cx="885325" cy="1324507"/>
-          </a:xfrm>
-          <a:prstGeom prst="curvedConnector2">
-            <a:avLst/>
-          </a:prstGeom>
-          <a:ln>
-            <a:tailEnd type="triangle"/>
-          </a:ln>
-        </p:spPr>
-        <p:style>
-          <a:lnRef idx="1">
-            <a:schemeClr val="accent1"/>
-          </a:lnRef>
-          <a:fillRef idx="0">
-            <a:schemeClr val="accent1"/>
-          </a:fillRef>
-          <a:effectRef idx="0">
-            <a:schemeClr val="accent1"/>
-          </a:effectRef>
-          <a:fontRef idx="minor">
-            <a:schemeClr val="tx1"/>
-          </a:fontRef>
-        </p:style>
-      </p:cxnSp>
-      <p:cxnSp>
-        <p:nvCxnSpPr>
           <p:cNvPr id="132" name="Curved Connector 131"/>
           <p:cNvCxnSpPr>
             <a:cxnSpLocks/>
@@ -15221,8 +14831,8 @@
         </p:nvCxnSpPr>
         <p:spPr>
           <a:xfrm rot="16200000" flipH="1">
-            <a:off x="6894159" y="1422190"/>
-            <a:ext cx="226500" cy="1032857"/>
+            <a:off x="7172536" y="1700566"/>
+            <a:ext cx="208431" cy="494174"/>
           </a:xfrm>
           <a:prstGeom prst="curvedConnector3">
             <a:avLst>
@@ -15335,11 +14945,13 @@
         </p:nvCxnSpPr>
         <p:spPr>
           <a:xfrm flipV="1">
-            <a:off x="5159071" y="1705019"/>
-            <a:ext cx="868823" cy="970039"/>
+            <a:off x="5159071" y="1723088"/>
+            <a:ext cx="1407506" cy="951970"/>
           </a:xfrm>
           <a:prstGeom prst="curvedConnector3">
-            <a:avLst/>
+            <a:avLst>
+              <a:gd name="adj1" fmla="val 18698"/>
+            </a:avLst>
           </a:prstGeom>
           <a:ln>
             <a:tailEnd type="triangle"/>
@@ -15364,15 +14976,16 @@
         <p:nvCxnSpPr>
           <p:cNvPr id="62" name="Curved Connector 61"/>
           <p:cNvCxnSpPr>
-            <a:stCxn id="174" idx="3"/>
-            <a:endCxn id="57" idx="1"/>
+            <a:cxnSpLocks/>
+            <a:stCxn id="55" idx="2"/>
+            <a:endCxn id="191" idx="0"/>
           </p:cNvCxnSpPr>
           <p:nvPr/>
         </p:nvCxnSpPr>
         <p:spPr>
-          <a:xfrm flipV="1">
-            <a:off x="5110795" y="1310420"/>
-            <a:ext cx="909697" cy="477474"/>
+          <a:xfrm rot="16200000" flipH="1">
+            <a:off x="4994679" y="126401"/>
+            <a:ext cx="589775" cy="1187162"/>
           </a:xfrm>
           <a:prstGeom prst="curvedConnector3">
             <a:avLst>
@@ -15402,18 +15015,21 @@
         <p:nvCxnSpPr>
           <p:cNvPr id="32" name="Curved Connector 31"/>
           <p:cNvCxnSpPr>
-            <a:stCxn id="177" idx="1"/>
+            <a:cxnSpLocks/>
+            <a:stCxn id="177" idx="2"/>
             <a:endCxn id="57" idx="0"/>
           </p:cNvCxnSpPr>
           <p:nvPr/>
         </p:nvCxnSpPr>
         <p:spPr>
-          <a:xfrm rot="10800000" flipV="1">
-            <a:off x="6483580" y="960955"/>
-            <a:ext cx="644713" cy="229113"/>
+          <a:xfrm rot="5400000">
+            <a:off x="7328794" y="880804"/>
+            <a:ext cx="108764" cy="509767"/>
           </a:xfrm>
-          <a:prstGeom prst="curvedConnector2">
-            <a:avLst/>
+          <a:prstGeom prst="curvedConnector3">
+            <a:avLst>
+              <a:gd name="adj1" fmla="val 50000"/>
+            </a:avLst>
           </a:prstGeom>
           <a:ln>
             <a:tailEnd type="triangle"/>
@@ -17211,7 +16827,7 @@
         </p:nvSpPr>
         <p:spPr>
           <a:xfrm>
-            <a:off x="5426750" y="2227176"/>
+            <a:off x="5994484" y="2276375"/>
             <a:ext cx="926173" cy="240701"/>
           </a:xfrm>
           <a:prstGeom prst="roundRect">
@@ -17279,8 +16895,8 @@
         </p:nvCxnSpPr>
         <p:spPr>
           <a:xfrm rot="5400000">
-            <a:off x="5989506" y="1725700"/>
-            <a:ext cx="401807" cy="601144"/>
+            <a:off x="6527150" y="1773860"/>
+            <a:ext cx="432937" cy="572093"/>
           </a:xfrm>
           <a:prstGeom prst="curvedConnector3">
             <a:avLst>
@@ -17318,14 +16934,14 @@
           <p:cNvCxnSpPr>
             <a:cxnSpLocks/>
             <a:stCxn id="194" idx="2"/>
-            <a:endCxn id="56" idx="0"/>
+            <a:endCxn id="59" idx="0"/>
           </p:cNvCxnSpPr>
           <p:nvPr/>
         </p:nvCxnSpPr>
         <p:spPr>
-          <a:xfrm rot="5400000">
-            <a:off x="5340315" y="2982479"/>
-            <a:ext cx="1064125" cy="34920"/>
+          <a:xfrm rot="16200000" flipH="1">
+            <a:off x="6409253" y="2565394"/>
+            <a:ext cx="144554" cy="47918"/>
           </a:xfrm>
           <a:prstGeom prst="curvedConnector3">
             <a:avLst>
@@ -17370,7 +16986,7 @@
         <p:spPr>
           <a:xfrm>
             <a:off x="5123073" y="2246905"/>
-            <a:ext cx="303677" cy="100622"/>
+            <a:ext cx="871411" cy="149821"/>
           </a:xfrm>
           <a:prstGeom prst="curvedConnector3">
             <a:avLst>
@@ -17414,12 +17030,12 @@
         </p:nvCxnSpPr>
         <p:spPr>
           <a:xfrm rot="16200000" flipH="1">
-            <a:off x="6266581" y="2049769"/>
-            <a:ext cx="1234208" cy="785408"/>
+            <a:off x="6544957" y="2328144"/>
+            <a:ext cx="1216139" cy="246725"/>
           </a:xfrm>
           <a:prstGeom prst="curvedConnector3">
             <a:avLst>
-              <a:gd name="adj1" fmla="val 50000"/>
+              <a:gd name="adj1" fmla="val 50001"/>
             </a:avLst>
           </a:prstGeom>
           <a:ln>
@@ -18777,7 +18393,7 @@
             <a:p>
               <a:pPr algn="ctr"/>
               <a:r>
-                <a:rPr lang="en-US" sz="800" dirty="0" err="1" smtClean="0">
+                <a:rPr lang="en-US" sz="800" dirty="0" err="1">
                   <a:solidFill>
                     <a:schemeClr val="tx1"/>
                   </a:solidFill>
@@ -18816,7 +18432,7 @@
             <a:p>
               <a:pPr algn="r"/>
               <a:r>
-                <a:rPr lang="en-US" sz="1200" dirty="0" err="1" smtClean="0"/>
+                <a:rPr lang="en-US" sz="1200" dirty="0" err="1"/>
                 <a:t>imagecorrection</a:t>
               </a:r>
               <a:endParaRPr lang="en-US" sz="1200" dirty="0"/>
@@ -19249,31 +18865,15 @@
           <a:p>
             <a:pPr algn="ctr"/>
             <a:r>
-              <a:rPr lang="en-US" sz="800" dirty="0" smtClean="0">
+              <a:rPr lang="en-US" sz="800" dirty="0">
                 <a:solidFill>
                   <a:schemeClr val="tx1"/>
                 </a:solidFill>
               </a:rPr>
-              <a:t>exposures</a:t>
+              <a:t>exposures, full, </a:t>
             </a:r>
             <a:r>
-              <a:rPr lang="en-US" sz="800" dirty="0">
-                <a:solidFill>
-                  <a:schemeClr val="tx1"/>
-                </a:solidFill>
-              </a:rPr>
-              <a:t>, </a:t>
-            </a:r>
-            <a:r>
-              <a:rPr lang="en-US" sz="800" dirty="0" smtClean="0">
-                <a:solidFill>
-                  <a:schemeClr val="tx1"/>
-                </a:solidFill>
-              </a:rPr>
-              <a:t>full, </a:t>
-            </a:r>
-            <a:r>
-              <a:rPr lang="en-US" sz="800" dirty="0" err="1" smtClean="0">
+              <a:rPr lang="en-US" sz="800" dirty="0" err="1">
                 <a:solidFill>
                   <a:schemeClr val="tx1"/>
                 </a:solidFill>
@@ -20202,18 +19802,13 @@
                 <a:p>
                   <a:pPr algn="ctr"/>
                   <a:r>
-                    <a:rPr lang="en-US" sz="800" dirty="0" smtClean="0">
+                    <a:rPr lang="en-US" sz="800" dirty="0">
                       <a:solidFill>
                         <a:schemeClr val="tx1"/>
                       </a:solidFill>
                     </a:rPr>
                     <a:t>fits</a:t>
                   </a:r>
-                  <a:endParaRPr lang="en-US" sz="800" dirty="0">
-                    <a:solidFill>
-                      <a:schemeClr val="tx1"/>
-                    </a:solidFill>
-                  </a:endParaRPr>
                 </a:p>
               </p:txBody>
             </p:sp>
@@ -20353,7 +19948,7 @@
                   <a:p>
                     <a:pPr algn="ctr"/>
                     <a:r>
-                      <a:rPr lang="en-US" sz="800" dirty="0" smtClean="0">
+                      <a:rPr lang="en-US" sz="800" dirty="0">
                         <a:solidFill>
                           <a:schemeClr val="tx1"/>
                         </a:solidFill>
@@ -20364,20 +19959,12 @@
                   <a:p>
                     <a:pPr algn="ctr"/>
                     <a:r>
-                      <a:rPr lang="en-US" sz="800" dirty="0" smtClean="0">
-                        <a:solidFill>
-                          <a:schemeClr val="tx1"/>
-                        </a:solidFill>
-                      </a:rPr>
-                      <a:t>Octet </a:t>
-                    </a:r>
-                    <a:r>
                       <a:rPr lang="en-US" sz="800" dirty="0">
                         <a:solidFill>
                           <a:schemeClr val="tx1"/>
                         </a:solidFill>
                       </a:rPr>
-                      <a:t>finding</a:t>
+                      <a:t>Octet finding</a:t>
                     </a:r>
                   </a:p>
                 </p:txBody>
@@ -20484,7 +20071,7 @@
                 <a:p>
                   <a:pPr algn="ctr"/>
                   <a:r>
-                    <a:rPr lang="en-US" sz="800" dirty="0" smtClean="0">
+                    <a:rPr lang="en-US" sz="800" dirty="0">
                       <a:solidFill>
                         <a:schemeClr val="tx1"/>
                       </a:solidFill>
@@ -20495,20 +20082,12 @@
                 <a:p>
                   <a:pPr algn="ctr"/>
                   <a:r>
-                    <a:rPr lang="en-US" sz="800" dirty="0" smtClean="0">
-                      <a:solidFill>
-                        <a:schemeClr val="tx1"/>
-                      </a:solidFill>
-                    </a:rPr>
-                    <a:t>Octet </a:t>
-                  </a:r>
-                  <a:r>
                     <a:rPr lang="en-US" sz="800" dirty="0">
                       <a:solidFill>
                         <a:schemeClr val="tx1"/>
                       </a:solidFill>
                     </a:rPr>
-                    <a:t>finding</a:t>
+                    <a:t>Octet finding</a:t>
                   </a:r>
                 </a:p>
               </p:txBody>
@@ -20569,7 +20148,7 @@
                 <a:p>
                   <a:pPr algn="ctr"/>
                   <a:r>
-                    <a:rPr lang="en-US" sz="800" dirty="0" smtClean="0">
+                    <a:rPr lang="en-US" sz="800" dirty="0">
                       <a:solidFill>
                         <a:schemeClr val="tx1"/>
                       </a:solidFill>
@@ -20580,20 +20159,12 @@
                 <a:p>
                   <a:pPr algn="ctr"/>
                   <a:r>
-                    <a:rPr lang="en-US" sz="800" dirty="0" smtClean="0">
-                      <a:solidFill>
-                        <a:schemeClr val="tx1"/>
-                      </a:solidFill>
-                    </a:rPr>
-                    <a:t>Octet </a:t>
-                  </a:r>
-                  <a:r>
                     <a:rPr lang="en-US" sz="800" dirty="0">
                       <a:solidFill>
                         <a:schemeClr val="tx1"/>
                       </a:solidFill>
                     </a:rPr>
-                    <a:t>finding</a:t>
+                    <a:t>Octet finding</a:t>
                   </a:r>
                 </a:p>
               </p:txBody>
@@ -20897,6 +20468,224 @@
           </a:fontRef>
         </p:style>
       </p:cxnSp>
+      <p:sp>
+        <p:nvSpPr>
+          <p:cNvPr id="191" name="Rounded Rectangle 53">
+            <a:extLst>
+              <a:ext uri="{FF2B5EF4-FFF2-40B4-BE49-F238E27FC236}">
+                <a16:creationId xmlns:a16="http://schemas.microsoft.com/office/drawing/2014/main" id="{67C2E8F0-9D8B-4C8D-A0C7-1EDE1ABBE547}"/>
+              </a:ext>
+            </a:extLst>
+          </p:cNvPr>
+          <p:cNvSpPr/>
+          <p:nvPr/>
+        </p:nvSpPr>
+        <p:spPr>
+          <a:xfrm>
+            <a:off x="5346630" y="1014870"/>
+            <a:ext cx="1073033" cy="216874"/>
+          </a:xfrm>
+          <a:prstGeom prst="roundRect">
+            <a:avLst/>
+          </a:prstGeom>
+          <a:solidFill>
+            <a:schemeClr val="accent2">
+              <a:lumMod val="20000"/>
+              <a:lumOff val="80000"/>
+            </a:schemeClr>
+          </a:solidFill>
+        </p:spPr>
+        <p:style>
+          <a:lnRef idx="2">
+            <a:schemeClr val="accent1">
+              <a:shade val="50000"/>
+            </a:schemeClr>
+          </a:lnRef>
+          <a:fillRef idx="1">
+            <a:schemeClr val="accent1"/>
+          </a:fillRef>
+          <a:effectRef idx="0">
+            <a:schemeClr val="accent1"/>
+          </a:effectRef>
+          <a:fontRef idx="minor">
+            <a:schemeClr val="lt1"/>
+          </a:fontRef>
+        </p:style>
+        <p:txBody>
+          <a:bodyPr rtlCol="0" anchor="ctr"/>
+          <a:lstStyle/>
+          <a:p>
+            <a:pPr algn="ctr"/>
+            <a:r>
+              <a:rPr lang="en-US" sz="800" dirty="0" err="1">
+                <a:solidFill>
+                  <a:schemeClr val="tx1"/>
+                </a:solidFill>
+              </a:rPr>
+              <a:t>writeannotationinfo</a:t>
+            </a:r>
+            <a:endParaRPr lang="en-US" sz="800" dirty="0">
+              <a:solidFill>
+                <a:schemeClr val="tx1"/>
+              </a:solidFill>
+            </a:endParaRPr>
+          </a:p>
+        </p:txBody>
+      </p:sp>
+      <p:sp>
+        <p:nvSpPr>
+          <p:cNvPr id="201" name="Rounded Rectangle 53">
+            <a:extLst>
+              <a:ext uri="{FF2B5EF4-FFF2-40B4-BE49-F238E27FC236}">
+                <a16:creationId xmlns:a16="http://schemas.microsoft.com/office/drawing/2014/main" id="{91147829-30F4-40EB-B7CA-43BD36140A60}"/>
+              </a:ext>
+            </a:extLst>
+          </p:cNvPr>
+          <p:cNvSpPr/>
+          <p:nvPr/>
+        </p:nvSpPr>
+        <p:spPr>
+          <a:xfrm>
+            <a:off x="5342060" y="1400125"/>
+            <a:ext cx="1073033" cy="216874"/>
+          </a:xfrm>
+          <a:prstGeom prst="roundRect">
+            <a:avLst/>
+          </a:prstGeom>
+          <a:solidFill>
+            <a:schemeClr val="accent2">
+              <a:lumMod val="20000"/>
+              <a:lumOff val="80000"/>
+            </a:schemeClr>
+          </a:solidFill>
+        </p:spPr>
+        <p:style>
+          <a:lnRef idx="2">
+            <a:schemeClr val="accent1">
+              <a:shade val="50000"/>
+            </a:schemeClr>
+          </a:lnRef>
+          <a:fillRef idx="1">
+            <a:schemeClr val="accent1"/>
+          </a:fillRef>
+          <a:effectRef idx="0">
+            <a:schemeClr val="accent1"/>
+          </a:effectRef>
+          <a:fontRef idx="minor">
+            <a:schemeClr val="lt1"/>
+          </a:fontRef>
+        </p:style>
+        <p:txBody>
+          <a:bodyPr rtlCol="0" anchor="ctr"/>
+          <a:lstStyle/>
+          <a:p>
+            <a:pPr algn="ctr"/>
+            <a:r>
+              <a:rPr lang="en-US" sz="800" dirty="0" err="1">
+                <a:solidFill>
+                  <a:schemeClr val="tx1"/>
+                </a:solidFill>
+              </a:rPr>
+              <a:t>copyannotationinfo</a:t>
+            </a:r>
+            <a:endParaRPr lang="en-US" sz="800" dirty="0">
+              <a:solidFill>
+                <a:schemeClr val="tx1"/>
+              </a:solidFill>
+            </a:endParaRPr>
+          </a:p>
+        </p:txBody>
+      </p:sp>
+      <p:cxnSp>
+        <p:nvCxnSpPr>
+          <p:cNvPr id="202" name="Curved Connector 61">
+            <a:extLst>
+              <a:ext uri="{FF2B5EF4-FFF2-40B4-BE49-F238E27FC236}">
+                <a16:creationId xmlns:a16="http://schemas.microsoft.com/office/drawing/2014/main" id="{D4DB7C30-9A1C-4133-98F7-BF6FBBA504DC}"/>
+              </a:ext>
+            </a:extLst>
+          </p:cNvPr>
+          <p:cNvCxnSpPr>
+            <a:cxnSpLocks/>
+            <a:stCxn id="191" idx="2"/>
+            <a:endCxn id="201" idx="0"/>
+          </p:cNvCxnSpPr>
+          <p:nvPr/>
+        </p:nvCxnSpPr>
+        <p:spPr>
+          <a:xfrm rot="5400000">
+            <a:off x="5796672" y="1313649"/>
+            <a:ext cx="168381" cy="4570"/>
+          </a:xfrm>
+          <a:prstGeom prst="curvedConnector3">
+            <a:avLst>
+              <a:gd name="adj1" fmla="val 50000"/>
+            </a:avLst>
+          </a:prstGeom>
+          <a:ln>
+            <a:tailEnd type="triangle"/>
+          </a:ln>
+        </p:spPr>
+        <p:style>
+          <a:lnRef idx="1">
+            <a:schemeClr val="accent1"/>
+          </a:lnRef>
+          <a:fillRef idx="0">
+            <a:schemeClr val="accent1"/>
+          </a:fillRef>
+          <a:effectRef idx="0">
+            <a:schemeClr val="accent1"/>
+          </a:effectRef>
+          <a:fontRef idx="minor">
+            <a:schemeClr val="tx1"/>
+          </a:fontRef>
+        </p:style>
+      </p:cxnSp>
+      <p:cxnSp>
+        <p:nvCxnSpPr>
+          <p:cNvPr id="205" name="Curved Connector 61">
+            <a:extLst>
+              <a:ext uri="{FF2B5EF4-FFF2-40B4-BE49-F238E27FC236}">
+                <a16:creationId xmlns:a16="http://schemas.microsoft.com/office/drawing/2014/main" id="{803040C5-BC2F-45A9-AD0B-9FA36FEA14B5}"/>
+              </a:ext>
+            </a:extLst>
+          </p:cNvPr>
+          <p:cNvCxnSpPr>
+            <a:cxnSpLocks/>
+            <a:stCxn id="201" idx="2"/>
+            <a:endCxn id="56" idx="0"/>
+          </p:cNvCxnSpPr>
+          <p:nvPr/>
+        </p:nvCxnSpPr>
+        <p:spPr>
+          <a:xfrm rot="5400000">
+            <a:off x="4909246" y="2562670"/>
+            <a:ext cx="1915003" cy="23660"/>
+          </a:xfrm>
+          <a:prstGeom prst="curvedConnector3">
+            <a:avLst>
+              <a:gd name="adj1" fmla="val 50000"/>
+            </a:avLst>
+          </a:prstGeom>
+          <a:ln>
+            <a:tailEnd type="triangle"/>
+          </a:ln>
+        </p:spPr>
+        <p:style>
+          <a:lnRef idx="1">
+            <a:schemeClr val="accent1"/>
+          </a:lnRef>
+          <a:fillRef idx="0">
+            <a:schemeClr val="accent1"/>
+          </a:fillRef>
+          <a:effectRef idx="0">
+            <a:schemeClr val="accent1"/>
+          </a:effectRef>
+          <a:fontRef idx="minor">
+            <a:schemeClr val="tx1"/>
+          </a:fontRef>
+        </p:style>
+      </p:cxnSp>
     </p:spTree>
     <p:extLst>
       <p:ext uri="{BB962C8B-B14F-4D97-AF65-F5344CB8AC3E}">
@@ -20943,18 +20732,13 @@
           <a:lstStyle/>
           <a:p>
             <a:r>
-              <a:rPr lang="en-US" dirty="0" err="1" smtClean="0"/>
+              <a:rPr lang="en-US" dirty="0" err="1"/>
               <a:t>AstroPath</a:t>
             </a:r>
             <a:r>
-              <a:rPr lang="en-US" dirty="0" smtClean="0"/>
-              <a:t> </a:t>
+              <a:rPr lang="en-US" dirty="0"/>
+              <a:t> Processing</a:t>
             </a:r>
-            <a:r>
-              <a:rPr lang="en-US" dirty="0" smtClean="0"/>
-              <a:t>Processing</a:t>
-            </a:r>
-            <a:endParaRPr lang="en-US" dirty="0"/>
           </a:p>
         </p:txBody>
       </p:sp>
@@ -21063,21 +20847,8 @@
                   <a:schemeClr val="tx1"/>
                 </a:solidFill>
               </a:rPr>
-              <a:t>f</a:t>
+              <a:t>flatfield</a:t>
             </a:r>
-            <a:r>
-              <a:rPr lang="en-US" sz="800" dirty="0" smtClean="0">
-                <a:solidFill>
-                  <a:schemeClr val="tx1"/>
-                </a:solidFill>
-              </a:rPr>
-              <a:t>latfield</a:t>
-            </a:r>
-            <a:endParaRPr lang="en-US" sz="800" dirty="0">
-              <a:solidFill>
-                <a:schemeClr val="tx1"/>
-              </a:solidFill>
-            </a:endParaRPr>
           </a:p>
         </p:txBody>
       </p:sp>
@@ -21131,18 +20902,13 @@
           <a:p>
             <a:pPr algn="ctr"/>
             <a:r>
-              <a:rPr lang="en-US" sz="800" dirty="0" smtClean="0">
+              <a:rPr lang="en-US" sz="800" dirty="0">
                 <a:solidFill>
                   <a:schemeClr val="tx1"/>
                 </a:solidFill>
               </a:rPr>
               <a:t>Image corrections</a:t>
             </a:r>
-            <a:endParaRPr lang="en-US" sz="800" dirty="0">
-              <a:solidFill>
-                <a:schemeClr val="tx1"/>
-              </a:solidFill>
-            </a:endParaRPr>
           </a:p>
         </p:txBody>
       </p:sp>
@@ -21195,7 +20961,7 @@
           <a:p>
             <a:pPr algn="ctr"/>
             <a:r>
-              <a:rPr lang="en-US" sz="800" dirty="0" err="1" smtClean="0">
+              <a:rPr lang="en-US" sz="800" dirty="0" err="1">
                 <a:solidFill>
                   <a:schemeClr val="tx1"/>
                 </a:solidFill>
@@ -21260,7 +21026,7 @@
           <a:p>
             <a:pPr algn="ctr"/>
             <a:r>
-              <a:rPr lang="en-US" sz="800" dirty="0" err="1" smtClean="0">
+              <a:rPr lang="en-US" sz="800" dirty="0" err="1">
                 <a:solidFill>
                   <a:schemeClr val="tx1"/>
                 </a:solidFill>
@@ -21439,7 +21205,7 @@
           <a:p>
             <a:pPr algn="ctr"/>
             <a:r>
-              <a:rPr lang="en-US" sz="800" dirty="0" err="1" smtClean="0">
+              <a:rPr lang="en-US" sz="800" dirty="0" err="1">
                 <a:solidFill>
                   <a:schemeClr val="tx1"/>
                 </a:solidFill>
@@ -21542,7 +21308,7 @@
           <a:p>
             <a:pPr algn="ctr"/>
             <a:r>
-              <a:rPr lang="en-US" sz="800" dirty="0" err="1" smtClean="0">
+              <a:rPr lang="en-US" sz="800" dirty="0" err="1">
                 <a:solidFill>
                   <a:schemeClr val="tx1"/>
                 </a:solidFill>
@@ -21650,21 +21416,8 @@
                   <a:schemeClr val="tx1"/>
                 </a:solidFill>
               </a:rPr>
-              <a:t>w</a:t>
+              <a:t>warping</a:t>
             </a:r>
-            <a:r>
-              <a:rPr lang="en-US" sz="800" dirty="0" smtClean="0">
-                <a:solidFill>
-                  <a:schemeClr val="tx1"/>
-                </a:solidFill>
-              </a:rPr>
-              <a:t>arping</a:t>
-            </a:r>
-            <a:endParaRPr lang="en-US" sz="800" dirty="0">
-              <a:solidFill>
-                <a:schemeClr val="tx1"/>
-              </a:solidFill>
-            </a:endParaRPr>
           </a:p>
         </p:txBody>
       </p:sp>
@@ -21752,7 +21505,7 @@
           <a:lstStyle/>
           <a:p>
             <a:r>
-              <a:rPr lang="en-US" dirty="0" err="1" smtClean="0"/>
+              <a:rPr lang="en-US" dirty="0" err="1"/>
               <a:t>meanimage</a:t>
             </a:r>
             <a:endParaRPr lang="en-US" dirty="0"/>
@@ -21808,7 +21561,7 @@
           <a:p>
             <a:pPr algn="ctr"/>
             <a:r>
-              <a:rPr lang="en-US" sz="1200" dirty="0" err="1" smtClean="0">
+              <a:rPr lang="en-US" sz="1200" dirty="0" err="1">
                 <a:solidFill>
                   <a:schemeClr val="tx1"/>
                 </a:solidFill>
@@ -21915,7 +21668,7 @@
           <a:p>
             <a:pPr algn="ctr"/>
             <a:r>
-              <a:rPr lang="en-US" sz="1200" dirty="0" smtClean="0">
+              <a:rPr lang="en-US" sz="1200" dirty="0">
                 <a:solidFill>
                   <a:schemeClr val="tx1"/>
                 </a:solidFill>
@@ -21926,18 +21679,13 @@
           <a:p>
             <a:pPr algn="ctr"/>
             <a:r>
-              <a:rPr lang="en-US" sz="1200" dirty="0" smtClean="0">
+              <a:rPr lang="en-US" sz="1200" dirty="0">
                 <a:solidFill>
                   <a:schemeClr val="tx1"/>
                 </a:solidFill>
               </a:rPr>
               <a:t>Extract image binary</a:t>
             </a:r>
-            <a:endParaRPr lang="en-US" sz="1200" dirty="0">
-              <a:solidFill>
-                <a:schemeClr val="tx1"/>
-              </a:solidFill>
-            </a:endParaRPr>
           </a:p>
         </p:txBody>
       </p:sp>
@@ -22033,18 +21781,13 @@
           <a:p>
             <a:pPr algn="ctr"/>
             <a:r>
-              <a:rPr lang="en-US" sz="1200" dirty="0" smtClean="0">
+              <a:rPr lang="en-US" sz="1200" dirty="0">
                 <a:solidFill>
                   <a:schemeClr val="tx1"/>
                 </a:solidFill>
               </a:rPr>
               <a:t>downloadim3</a:t>
             </a:r>
-            <a:endParaRPr lang="en-US" sz="1200" dirty="0">
-              <a:solidFill>
-                <a:schemeClr val="tx1"/>
-              </a:solidFill>
-            </a:endParaRPr>
           </a:p>
         </p:txBody>
       </p:sp>
@@ -22630,7 +22373,7 @@
             <a:lstStyle/>
             <a:p>
               <a:r>
-                <a:rPr lang="en-US" sz="1200" dirty="0" err="1" smtClean="0"/>
+                <a:rPr lang="en-US" sz="1200" dirty="0" err="1"/>
                 <a:t>meanimage</a:t>
               </a:r>
               <a:endParaRPr lang="en-US" sz="800" dirty="0"/>
@@ -22687,18 +22430,13 @@
           <a:p>
             <a:pPr algn="ctr"/>
             <a:r>
-              <a:rPr lang="en-US" sz="1200" dirty="0" smtClean="0">
+              <a:rPr lang="en-US" sz="1200" dirty="0">
                 <a:solidFill>
                   <a:schemeClr val="tx1"/>
                 </a:solidFill>
               </a:rPr>
               <a:t>cleanup</a:t>
             </a:r>
-            <a:endParaRPr lang="en-US" sz="1200" dirty="0">
-              <a:solidFill>
-                <a:schemeClr val="tx1"/>
-              </a:solidFill>
-            </a:endParaRPr>
           </a:p>
         </p:txBody>
       </p:sp>
@@ -22883,18 +22621,13 @@
               <a:buChar char="•"/>
             </a:pPr>
             <a:r>
-              <a:rPr lang="en-US" sz="1200" dirty="0" smtClean="0">
+              <a:rPr lang="en-US" sz="1200" dirty="0">
                 <a:solidFill>
                   <a:schemeClr val="tx1"/>
                 </a:solidFill>
               </a:rPr>
               <a:t>Extracts a Data.dat files for each im3</a:t>
             </a:r>
-            <a:endParaRPr lang="en-US" sz="1200" dirty="0">
-              <a:solidFill>
-                <a:schemeClr val="tx1"/>
-              </a:solidFill>
-            </a:endParaRPr>
           </a:p>
           <a:p>
             <a:pPr algn="ctr"/>
@@ -22959,7 +22692,7 @@
               <a:buChar char="•"/>
             </a:pPr>
             <a:r>
-              <a:rPr lang="en-US" sz="1200" dirty="0" smtClean="0">
+              <a:rPr lang="en-US" sz="1200" dirty="0">
                 <a:solidFill>
                   <a:schemeClr val="tx1"/>
                 </a:solidFill>
@@ -22973,7 +22706,7 @@
               <a:buChar char="•"/>
             </a:pPr>
             <a:r>
-              <a:rPr lang="en-US" sz="1200" dirty="0" smtClean="0">
+              <a:rPr lang="en-US" sz="1200" dirty="0">
                 <a:solidFill>
                   <a:schemeClr val="tx1"/>
                 </a:solidFill>
@@ -22987,18 +22720,13 @@
               <a:buChar char="•"/>
             </a:pPr>
             <a:r>
-              <a:rPr lang="en-US" sz="1200" dirty="0" smtClean="0">
+              <a:rPr lang="en-US" sz="1200" dirty="0">
                 <a:solidFill>
                   <a:schemeClr val="tx1"/>
                 </a:solidFill>
               </a:rPr>
               <a:t>Save the number of images in each case so we can easily build an average image later</a:t>
             </a:r>
-            <a:endParaRPr lang="en-US" sz="1200" dirty="0">
-              <a:solidFill>
-                <a:schemeClr val="tx1"/>
-              </a:solidFill>
-            </a:endParaRPr>
           </a:p>
           <a:p>
             <a:pPr algn="ctr"/>
@@ -23062,18 +22790,13 @@
               <a:buChar char="•"/>
             </a:pPr>
             <a:r>
-              <a:rPr lang="en-US" sz="1200" dirty="0" smtClean="0">
+              <a:rPr lang="en-US" sz="1200" dirty="0">
                 <a:solidFill>
                   <a:schemeClr val="tx1"/>
                 </a:solidFill>
               </a:rPr>
               <a:t>Copies the saved total image and .csv file with metadata (number of images and image shape) to the data source </a:t>
             </a:r>
-            <a:endParaRPr lang="en-US" sz="1200" dirty="0">
-              <a:solidFill>
-                <a:schemeClr val="tx1"/>
-              </a:solidFill>
-            </a:endParaRPr>
           </a:p>
           <a:p>
             <a:pPr algn="ctr"/>
@@ -23137,18 +22860,13 @@
               <a:buChar char="•"/>
             </a:pPr>
             <a:r>
-              <a:rPr lang="en-US" sz="1200" dirty="0" smtClean="0">
+              <a:rPr lang="en-US" sz="1200" dirty="0">
                 <a:solidFill>
                   <a:schemeClr val="tx1"/>
                 </a:solidFill>
               </a:rPr>
               <a:t>Deletes data from the working directory</a:t>
             </a:r>
-            <a:endParaRPr lang="en-US" sz="1200" dirty="0">
-              <a:solidFill>
-                <a:schemeClr val="tx1"/>
-              </a:solidFill>
-            </a:endParaRPr>
           </a:p>
           <a:p>
             <a:pPr algn="ctr"/>
@@ -23213,7 +22931,7 @@
               <a:buChar char="•"/>
             </a:pPr>
             <a:r>
-              <a:rPr lang="en-US" sz="1200" dirty="0" smtClean="0">
+              <a:rPr lang="en-US" sz="1200" dirty="0">
                 <a:solidFill>
                   <a:schemeClr val="tx1"/>
                 </a:solidFill>
@@ -23227,18 +22945,13 @@
               <a:buChar char="•"/>
             </a:pPr>
             <a:r>
-              <a:rPr lang="en-US" sz="1200" dirty="0" smtClean="0">
+              <a:rPr lang="en-US" sz="1200" dirty="0">
                 <a:solidFill>
                   <a:schemeClr val="tx1"/>
                 </a:solidFill>
               </a:rPr>
               <a:t>Finds the average image, excluding regions defined as artifact </a:t>
             </a:r>
-            <a:endParaRPr lang="en-US" sz="1200" dirty="0">
-              <a:solidFill>
-                <a:schemeClr val="tx1"/>
-              </a:solidFill>
-            </a:endParaRPr>
           </a:p>
           <a:p>
             <a:pPr algn="ctr"/>
@@ -23302,18 +23015,13 @@
               <a:buChar char="•"/>
             </a:pPr>
             <a:r>
-              <a:rPr lang="en-US" sz="1200" dirty="0" smtClean="0">
+              <a:rPr lang="en-US" sz="1200" dirty="0">
                 <a:solidFill>
                   <a:schemeClr val="tx1"/>
                 </a:solidFill>
               </a:rPr>
               <a:t>Copies the image masks and final average image back to the data source location</a:t>
             </a:r>
-            <a:endParaRPr lang="en-US" sz="1200" dirty="0">
-              <a:solidFill>
-                <a:schemeClr val="tx1"/>
-              </a:solidFill>
-            </a:endParaRPr>
           </a:p>
           <a:p>
             <a:pPr algn="ctr"/>
@@ -23371,7 +23079,7 @@
           <a:lstStyle/>
           <a:p>
             <a:r>
-              <a:rPr lang="en-US" dirty="0" err="1" smtClean="0"/>
+              <a:rPr lang="en-US" dirty="0" err="1"/>
               <a:t>imagecorrection</a:t>
             </a:r>
             <a:endParaRPr lang="en-US" dirty="0"/>
@@ -23427,7 +23135,7 @@
           <a:p>
             <a:pPr algn="ctr"/>
             <a:r>
-              <a:rPr lang="en-US" sz="1200" dirty="0" err="1" smtClean="0">
+              <a:rPr lang="en-US" sz="1200" dirty="0" err="1">
                 <a:solidFill>
                   <a:schemeClr val="tx1"/>
                 </a:solidFill>
@@ -23534,7 +23242,7 @@
           <a:p>
             <a:pPr algn="ctr"/>
             <a:r>
-              <a:rPr lang="en-US" sz="1200" dirty="0" err="1" smtClean="0">
+              <a:rPr lang="en-US" sz="1200" dirty="0" err="1">
                 <a:solidFill>
                   <a:schemeClr val="tx1"/>
                 </a:solidFill>
@@ -23558,7 +23266,7 @@
               <a:t>image binary, exposures, </a:t>
             </a:r>
             <a:r>
-              <a:rPr lang="en-US" sz="1200" dirty="0" err="1" smtClean="0">
+              <a:rPr lang="en-US" sz="1200" dirty="0" err="1">
                 <a:solidFill>
                   <a:schemeClr val="tx1"/>
                 </a:solidFill>
@@ -23622,7 +23330,7 @@
           <a:p>
             <a:pPr algn="ctr"/>
             <a:r>
-              <a:rPr lang="en-US" sz="1200" dirty="0" err="1" smtClean="0">
+              <a:rPr lang="en-US" sz="1200" dirty="0" err="1">
                 <a:solidFill>
                   <a:schemeClr val="tx1"/>
                 </a:solidFill>
@@ -24219,7 +23927,7 @@
             <a:lstStyle/>
             <a:p>
               <a:r>
-                <a:rPr lang="en-US" sz="1200" dirty="0" err="1" smtClean="0"/>
+                <a:rPr lang="en-US" sz="1200" dirty="0" err="1"/>
                 <a:t>applyflatw</a:t>
               </a:r>
               <a:endParaRPr lang="en-US" sz="800" dirty="0"/>
@@ -24276,18 +23984,13 @@
           <a:p>
             <a:pPr algn="ctr"/>
             <a:r>
-              <a:rPr lang="en-US" sz="1200" dirty="0" smtClean="0">
+              <a:rPr lang="en-US" sz="1200" dirty="0">
                 <a:solidFill>
                   <a:schemeClr val="tx1"/>
                 </a:solidFill>
               </a:rPr>
               <a:t>downloadim3</a:t>
             </a:r>
-            <a:endParaRPr lang="en-US" sz="1200" dirty="0">
-              <a:solidFill>
-                <a:schemeClr val="tx1"/>
-              </a:solidFill>
-            </a:endParaRPr>
           </a:p>
         </p:txBody>
       </p:sp>
@@ -24426,18 +24129,13 @@
           <a:p>
             <a:pPr algn="ctr"/>
             <a:r>
-              <a:rPr lang="en-US" sz="1200" dirty="0" smtClean="0">
+              <a:rPr lang="en-US" sz="1200" dirty="0">
                 <a:solidFill>
                   <a:schemeClr val="tx1"/>
                 </a:solidFill>
               </a:rPr>
               <a:t>fixM2</a:t>
             </a:r>
-            <a:endParaRPr lang="en-US" sz="1200" dirty="0">
-              <a:solidFill>
-                <a:schemeClr val="tx1"/>
-              </a:solidFill>
-            </a:endParaRPr>
           </a:p>
         </p:txBody>
       </p:sp>
@@ -24493,7 +24191,7 @@
               <a:buChar char="•"/>
             </a:pPr>
             <a:r>
-              <a:rPr lang="en-US" sz="1200" dirty="0" smtClean="0">
+              <a:rPr lang="en-US" sz="1200" dirty="0">
                 <a:solidFill>
                   <a:schemeClr val="tx1"/>
                 </a:solidFill>
@@ -24507,7 +24205,7 @@
               <a:buChar char="•"/>
             </a:pPr>
             <a:r>
-              <a:rPr lang="en-US" sz="1200" dirty="0" smtClean="0">
+              <a:rPr lang="en-US" sz="1200" dirty="0">
                 <a:solidFill>
                   <a:schemeClr val="tx1"/>
                 </a:solidFill>
@@ -24515,7 +24213,7 @@
               <a:t>Added here so that the function can be used globally without the </a:t>
             </a:r>
             <a:r>
-              <a:rPr lang="en-US" sz="1200" i="1" dirty="0" err="1" smtClean="0">
+              <a:rPr lang="en-US" sz="1200" i="1" dirty="0" err="1">
                 <a:solidFill>
                   <a:schemeClr val="tx1"/>
                 </a:solidFill>
@@ -24583,7 +24281,7 @@
               <a:buChar char="•"/>
             </a:pPr>
             <a:r>
-              <a:rPr lang="en-US" sz="1200" dirty="0" smtClean="0">
+              <a:rPr lang="en-US" sz="1200" dirty="0">
                 <a:solidFill>
                   <a:schemeClr val="tx1"/>
                 </a:solidFill>
@@ -24597,7 +24295,7 @@
               <a:buChar char="•"/>
             </a:pPr>
             <a:r>
-              <a:rPr lang="en-US" sz="1200" dirty="0" smtClean="0">
+              <a:rPr lang="en-US" sz="1200" dirty="0">
                 <a:solidFill>
                   <a:schemeClr val="tx1"/>
                 </a:solidFill>
@@ -24605,7 +24303,7 @@
               <a:t>Apply the flatfield model defined by </a:t>
             </a:r>
             <a:r>
-              <a:rPr lang="en-US" sz="1200" dirty="0" err="1" smtClean="0">
+              <a:rPr lang="en-US" sz="1200" dirty="0" err="1">
                 <a:solidFill>
                   <a:schemeClr val="tx1"/>
                 </a:solidFill>
@@ -24613,7 +24311,7 @@
               <a:t>meanimage</a:t>
             </a:r>
             <a:r>
-              <a:rPr lang="en-US" sz="1200" dirty="0" smtClean="0">
+              <a:rPr lang="en-US" sz="1200" dirty="0">
                 <a:solidFill>
                   <a:schemeClr val="tx1"/>
                 </a:solidFill>
@@ -24627,18 +24325,13 @@
               <a:buChar char="•"/>
             </a:pPr>
             <a:r>
-              <a:rPr lang="en-US" sz="1200" dirty="0" smtClean="0">
+              <a:rPr lang="en-US" sz="1200" dirty="0">
                 <a:solidFill>
                   <a:schemeClr val="tx1"/>
                 </a:solidFill>
               </a:rPr>
               <a:t>Only applies the warping model to JHU Vectra 3.0 </a:t>
             </a:r>
-            <a:endParaRPr lang="en-US" sz="1200" dirty="0">
-              <a:solidFill>
-                <a:schemeClr val="tx1"/>
-              </a:solidFill>
-            </a:endParaRPr>
           </a:p>
           <a:p>
             <a:pPr algn="ctr"/>
@@ -24703,18 +24396,13 @@
               <a:buChar char="•"/>
             </a:pPr>
             <a:r>
-              <a:rPr lang="en-US" sz="1200" dirty="0" smtClean="0">
+              <a:rPr lang="en-US" sz="1200" dirty="0">
                 <a:solidFill>
                   <a:schemeClr val="tx1"/>
                 </a:solidFill>
               </a:rPr>
               <a:t>Applies the flatfield model and image warping corrections to all images</a:t>
             </a:r>
-            <a:endParaRPr lang="en-US" sz="1200" dirty="0">
-              <a:solidFill>
-                <a:schemeClr val="tx1"/>
-              </a:solidFill>
-            </a:endParaRPr>
           </a:p>
           <a:p>
             <a:pPr algn="ctr"/>
@@ -24783,31 +24471,7 @@
                   <a:schemeClr val="tx1"/>
                 </a:solidFill>
               </a:rPr>
-              <a:t>Extracts a </a:t>
-            </a:r>
-            <a:r>
-              <a:rPr lang="en-US" sz="1200" dirty="0" smtClean="0">
-                <a:solidFill>
-                  <a:schemeClr val="tx1"/>
-                </a:solidFill>
-              </a:rPr>
-              <a:t>*.Data.dat </a:t>
-            </a:r>
-            <a:r>
-              <a:rPr lang="en-US" sz="1200" dirty="0">
-                <a:solidFill>
-                  <a:schemeClr val="tx1"/>
-                </a:solidFill>
-              </a:rPr>
-              <a:t>files for each </a:t>
-            </a:r>
-            <a:r>
-              <a:rPr lang="en-US" sz="1200" dirty="0" smtClean="0">
-                <a:solidFill>
-                  <a:schemeClr val="tx1"/>
-                </a:solidFill>
-              </a:rPr>
-              <a:t>im3</a:t>
+              <a:t>Extracts a *.Data.dat files for each im3</a:t>
             </a:r>
           </a:p>
           <a:p>
@@ -24821,31 +24485,7 @@
                   <a:schemeClr val="tx1"/>
                 </a:solidFill>
               </a:rPr>
-              <a:t>Extracts a </a:t>
-            </a:r>
-            <a:r>
-              <a:rPr lang="en-US" sz="1200" dirty="0" smtClean="0">
-                <a:solidFill>
-                  <a:schemeClr val="tx1"/>
-                </a:solidFill>
-              </a:rPr>
-              <a:t>*.Parameters.xml and a *.full.xml file </a:t>
-            </a:r>
-            <a:r>
-              <a:rPr lang="en-US" sz="1200" dirty="0">
-                <a:solidFill>
-                  <a:schemeClr val="tx1"/>
-                </a:solidFill>
-              </a:rPr>
-              <a:t>for each </a:t>
-            </a:r>
-            <a:r>
-              <a:rPr lang="en-US" sz="1200" dirty="0" smtClean="0">
-                <a:solidFill>
-                  <a:schemeClr val="tx1"/>
-                </a:solidFill>
-              </a:rPr>
-              <a:t>slide</a:t>
+              <a:t>Extracts a *.Parameters.xml and a *.full.xml file for each slide</a:t>
             </a:r>
           </a:p>
           <a:p>
@@ -24854,18 +24494,13 @@
               <a:buChar char="•"/>
             </a:pPr>
             <a:r>
-              <a:rPr lang="en-US" sz="1200" dirty="0" smtClean="0">
+              <a:rPr lang="en-US" sz="1200" dirty="0">
                 <a:solidFill>
                   <a:schemeClr val="tx1"/>
                 </a:solidFill>
               </a:rPr>
               <a:t>Extracts a *.SpectralBasisInfo.Exposure.xml for each slide</a:t>
             </a:r>
-            <a:endParaRPr lang="en-US" sz="1200" dirty="0">
-              <a:solidFill>
-                <a:schemeClr val="tx1"/>
-              </a:solidFill>
-            </a:endParaRPr>
           </a:p>
           <a:p>
             <a:pPr marL="171450" indent="-171450">
@@ -24932,18 +24567,13 @@
               <a:buChar char="•"/>
             </a:pPr>
             <a:r>
-              <a:rPr lang="en-US" sz="1200" dirty="0" smtClean="0">
+              <a:rPr lang="en-US" sz="1200" dirty="0">
                 <a:solidFill>
                   <a:schemeClr val="tx1"/>
                 </a:solidFill>
               </a:rPr>
               <a:t>Injects the corrected *.Data.dat files back into the *.im3 files</a:t>
             </a:r>
-            <a:endParaRPr lang="en-US" sz="1200" dirty="0">
-              <a:solidFill>
-                <a:schemeClr val="tx1"/>
-              </a:solidFill>
-            </a:endParaRPr>
           </a:p>
           <a:p>
             <a:pPr marL="171450" indent="-171450">
@@ -24951,18 +24581,13 @@
               <a:buChar char="•"/>
             </a:pPr>
             <a:r>
-              <a:rPr lang="en-US" sz="1200" dirty="0" smtClean="0">
+              <a:rPr lang="en-US" sz="1200" dirty="0">
                 <a:solidFill>
                   <a:schemeClr val="tx1"/>
                 </a:solidFill>
               </a:rPr>
               <a:t>Renames Data.dat files to *.fw</a:t>
             </a:r>
-            <a:endParaRPr lang="en-US" sz="1200" dirty="0">
-              <a:solidFill>
-                <a:schemeClr val="tx1"/>
-              </a:solidFill>
-            </a:endParaRPr>
           </a:p>
         </p:txBody>
       </p:sp>
@@ -25018,18 +24643,13 @@
               <a:buChar char="•"/>
             </a:pPr>
             <a:r>
-              <a:rPr lang="en-US" sz="1200" dirty="0" smtClean="0">
+              <a:rPr lang="en-US" sz="1200" dirty="0">
                 <a:solidFill>
                   <a:schemeClr val="tx1"/>
                 </a:solidFill>
               </a:rPr>
               <a:t>Extracts the first image layer as *.fw01</a:t>
             </a:r>
-            <a:endParaRPr lang="en-US" sz="1200" dirty="0">
-              <a:solidFill>
-                <a:schemeClr val="tx1"/>
-              </a:solidFill>
-            </a:endParaRPr>
           </a:p>
           <a:p>
             <a:pPr marL="171450" indent="-171450">
@@ -25093,18 +24713,13 @@
           <a:p>
             <a:pPr algn="ctr"/>
             <a:r>
-              <a:rPr lang="en-US" sz="1200" dirty="0" smtClean="0">
+              <a:rPr lang="en-US" sz="1200" dirty="0">
                 <a:solidFill>
                   <a:schemeClr val="tx1"/>
                 </a:solidFill>
               </a:rPr>
               <a:t>cleanup</a:t>
             </a:r>
-            <a:endParaRPr lang="en-US" sz="1200" dirty="0">
-              <a:solidFill>
-                <a:schemeClr val="tx1"/>
-              </a:solidFill>
-            </a:endParaRPr>
           </a:p>
         </p:txBody>
       </p:sp>
@@ -25160,7 +24775,7 @@
               <a:buChar char="•"/>
             </a:pPr>
             <a:r>
-              <a:rPr lang="en-US" sz="1200" dirty="0" smtClean="0">
+              <a:rPr lang="en-US" sz="1200" dirty="0">
                 <a:solidFill>
                   <a:schemeClr val="tx1"/>
                 </a:solidFill>
@@ -25174,7 +24789,7 @@
               <a:buChar char="•"/>
             </a:pPr>
             <a:r>
-              <a:rPr lang="en-US" sz="1200" dirty="0" smtClean="0">
+              <a:rPr lang="en-US" sz="1200" dirty="0">
                 <a:solidFill>
                   <a:schemeClr val="tx1"/>
                 </a:solidFill>
@@ -25188,7 +24803,7 @@
               <a:buChar char="•"/>
             </a:pPr>
             <a:r>
-              <a:rPr lang="en-US" sz="1200" dirty="0" smtClean="0">
+              <a:rPr lang="en-US" sz="1200" dirty="0">
                 <a:solidFill>
                   <a:schemeClr val="tx1"/>
                 </a:solidFill>
@@ -25202,18 +24817,13 @@
               <a:buChar char="•"/>
             </a:pPr>
             <a:r>
-              <a:rPr lang="en-US" sz="1200" dirty="0" smtClean="0">
+              <a:rPr lang="en-US" sz="1200" dirty="0">
                 <a:solidFill>
                   <a:schemeClr val="tx1"/>
                 </a:solidFill>
               </a:rPr>
               <a:t>Deletes the .Data.dat files</a:t>
             </a:r>
-            <a:endParaRPr lang="en-US" sz="1200" dirty="0">
-              <a:solidFill>
-                <a:schemeClr val="tx1"/>
-              </a:solidFill>
-            </a:endParaRPr>
           </a:p>
           <a:p>
             <a:pPr marL="171450" indent="-171450">
@@ -25557,18 +25167,13 @@
               <a:p>
                 <a:pPr algn="ctr"/>
                 <a:r>
-                  <a:rPr lang="en-US" sz="1200" dirty="0" smtClean="0">
+                  <a:rPr lang="en-US" sz="1200" dirty="0">
                     <a:solidFill>
                       <a:schemeClr val="tx1"/>
                     </a:solidFill>
                   </a:rPr>
                   <a:t>Create inForm Algorithm AB6</a:t>
                 </a:r>
-                <a:endParaRPr lang="en-US" sz="1200" dirty="0">
-                  <a:solidFill>
-                    <a:schemeClr val="tx1"/>
-                  </a:solidFill>
-                </a:endParaRPr>
               </a:p>
             </p:txBody>
           </p:sp>
@@ -25622,18 +25227,13 @@
               <a:p>
                 <a:pPr algn="ctr"/>
                 <a:r>
-                  <a:rPr lang="en-US" sz="1200" dirty="0" smtClean="0">
+                  <a:rPr lang="en-US" sz="1200" dirty="0">
                     <a:solidFill>
                       <a:schemeClr val="tx1"/>
                     </a:solidFill>
                   </a:rPr>
                   <a:t>Submit to Queue</a:t>
                 </a:r>
-                <a:endParaRPr lang="en-US" sz="1200" dirty="0">
-                  <a:solidFill>
-                    <a:schemeClr val="tx1"/>
-                  </a:solidFill>
-                </a:endParaRPr>
               </a:p>
             </p:txBody>
           </p:sp>
@@ -25686,18 +25286,13 @@
               <a:p>
                 <a:pPr algn="ctr"/>
                 <a:r>
-                  <a:rPr lang="en-US" sz="1200" dirty="0" smtClean="0">
+                  <a:rPr lang="en-US" sz="1200" dirty="0">
                     <a:solidFill>
                       <a:schemeClr val="tx1"/>
                     </a:solidFill>
                   </a:rPr>
                   <a:t>VM Processing</a:t>
                 </a:r>
-                <a:endParaRPr lang="en-US" sz="1200" dirty="0">
-                  <a:solidFill>
-                    <a:schemeClr val="tx1"/>
-                  </a:solidFill>
-                </a:endParaRPr>
               </a:p>
             </p:txBody>
           </p:sp>
@@ -25750,18 +25345,13 @@
               <a:p>
                 <a:pPr algn="ctr"/>
                 <a:r>
-                  <a:rPr lang="en-US" sz="1200" dirty="0" smtClean="0">
+                  <a:rPr lang="en-US" sz="1200" dirty="0">
                     <a:solidFill>
                       <a:schemeClr val="tx1"/>
                     </a:solidFill>
                   </a:rPr>
                   <a:t>VM Finished</a:t>
                 </a:r>
-                <a:endParaRPr lang="en-US" sz="1200" dirty="0">
-                  <a:solidFill>
-                    <a:schemeClr val="tx1"/>
-                  </a:solidFill>
-                </a:endParaRPr>
               </a:p>
             </p:txBody>
           </p:sp>
@@ -25814,18 +25404,13 @@
               <a:p>
                 <a:pPr algn="ctr"/>
                 <a:r>
-                  <a:rPr lang="en-US" sz="1200" dirty="0" smtClean="0">
+                  <a:rPr lang="en-US" sz="1200" dirty="0">
                     <a:solidFill>
                       <a:schemeClr val="tx1"/>
                     </a:solidFill>
                   </a:rPr>
                   <a:t>QC Images Generated</a:t>
                 </a:r>
-                <a:endParaRPr lang="en-US" sz="1200" dirty="0">
-                  <a:solidFill>
-                    <a:schemeClr val="tx1"/>
-                  </a:solidFill>
-                </a:endParaRPr>
               </a:p>
             </p:txBody>
           </p:sp>
@@ -25879,18 +25464,13 @@
               <a:p>
                 <a:pPr algn="ctr"/>
                 <a:r>
-                  <a:rPr lang="en-US" sz="1200" dirty="0" smtClean="0">
+                  <a:rPr lang="en-US" sz="1200" dirty="0">
                     <a:solidFill>
                       <a:schemeClr val="tx1"/>
                     </a:solidFill>
                   </a:rPr>
                   <a:t>QC Failed</a:t>
                 </a:r>
-                <a:endParaRPr lang="en-US" sz="1200" dirty="0">
-                  <a:solidFill>
-                    <a:schemeClr val="tx1"/>
-                  </a:solidFill>
-                </a:endParaRPr>
               </a:p>
             </p:txBody>
           </p:sp>
@@ -25944,18 +25524,13 @@
               <a:p>
                 <a:pPr algn="ctr"/>
                 <a:r>
-                  <a:rPr lang="en-US" sz="1200" dirty="0" smtClean="0">
+                  <a:rPr lang="en-US" sz="1200" dirty="0">
                     <a:solidFill>
                       <a:schemeClr val="tx1"/>
                     </a:solidFill>
                   </a:rPr>
                   <a:t>Create inForm Algorithm AB6_2</a:t>
                 </a:r>
-                <a:endParaRPr lang="en-US" sz="1200" dirty="0">
-                  <a:solidFill>
-                    <a:schemeClr val="tx1"/>
-                  </a:solidFill>
-                </a:endParaRPr>
               </a:p>
             </p:txBody>
           </p:sp>
@@ -26324,18 +25899,13 @@
             <a:p>
               <a:pPr algn="ctr"/>
               <a:r>
-                <a:rPr lang="en-US" sz="1200" dirty="0" smtClean="0">
+                <a:rPr lang="en-US" sz="1200" dirty="0">
                   <a:solidFill>
                     <a:schemeClr val="tx1"/>
                   </a:solidFill>
                 </a:rPr>
                 <a:t>Create inForm Algorithm AB5</a:t>
               </a:r>
-              <a:endParaRPr lang="en-US" sz="1200" dirty="0">
-                <a:solidFill>
-                  <a:schemeClr val="tx1"/>
-                </a:solidFill>
-              </a:endParaRPr>
             </a:p>
           </p:txBody>
         </p:sp>
@@ -26389,18 +25959,13 @@
             <a:p>
               <a:pPr algn="ctr"/>
               <a:r>
-                <a:rPr lang="en-US" sz="1200" dirty="0" smtClean="0">
+                <a:rPr lang="en-US" sz="1200" dirty="0">
                   <a:solidFill>
                     <a:schemeClr val="tx1"/>
                   </a:solidFill>
                 </a:rPr>
                 <a:t>Submit to Queue</a:t>
               </a:r>
-              <a:endParaRPr lang="en-US" sz="1200" dirty="0">
-                <a:solidFill>
-                  <a:schemeClr val="tx1"/>
-                </a:solidFill>
-              </a:endParaRPr>
             </a:p>
           </p:txBody>
         </p:sp>
@@ -26453,18 +26018,13 @@
             <a:p>
               <a:pPr algn="ctr"/>
               <a:r>
-                <a:rPr lang="en-US" sz="1200" dirty="0" smtClean="0">
+                <a:rPr lang="en-US" sz="1200" dirty="0">
                   <a:solidFill>
                     <a:schemeClr val="tx1"/>
                   </a:solidFill>
                 </a:rPr>
                 <a:t>VM Processing</a:t>
               </a:r>
-              <a:endParaRPr lang="en-US" sz="1200" dirty="0">
-                <a:solidFill>
-                  <a:schemeClr val="tx1"/>
-                </a:solidFill>
-              </a:endParaRPr>
             </a:p>
           </p:txBody>
         </p:sp>
@@ -26517,18 +26077,13 @@
             <a:p>
               <a:pPr algn="ctr"/>
               <a:r>
-                <a:rPr lang="en-US" sz="1200" dirty="0" smtClean="0">
+                <a:rPr lang="en-US" sz="1200" dirty="0">
                   <a:solidFill>
                     <a:schemeClr val="tx1"/>
                   </a:solidFill>
                 </a:rPr>
                 <a:t>VM Finished</a:t>
               </a:r>
-              <a:endParaRPr lang="en-US" sz="1200" dirty="0">
-                <a:solidFill>
-                  <a:schemeClr val="tx1"/>
-                </a:solidFill>
-              </a:endParaRPr>
             </a:p>
           </p:txBody>
         </p:sp>
@@ -26581,18 +26136,13 @@
             <a:p>
               <a:pPr algn="ctr"/>
               <a:r>
-                <a:rPr lang="en-US" sz="1200" dirty="0" smtClean="0">
+                <a:rPr lang="en-US" sz="1200" dirty="0">
                   <a:solidFill>
                     <a:schemeClr val="tx1"/>
                   </a:solidFill>
                 </a:rPr>
                 <a:t>QC Images Generated</a:t>
               </a:r>
-              <a:endParaRPr lang="en-US" sz="1200" dirty="0">
-                <a:solidFill>
-                  <a:schemeClr val="tx1"/>
-                </a:solidFill>
-              </a:endParaRPr>
             </a:p>
           </p:txBody>
         </p:sp>
@@ -26646,18 +26196,13 @@
             <a:p>
               <a:pPr algn="ctr"/>
               <a:r>
-                <a:rPr lang="en-US" sz="1200" dirty="0" smtClean="0">
+                <a:rPr lang="en-US" sz="1200" dirty="0">
                   <a:solidFill>
                     <a:schemeClr val="tx1"/>
                   </a:solidFill>
                 </a:rPr>
                 <a:t>QC Passed</a:t>
               </a:r>
-              <a:endParaRPr lang="en-US" sz="1200" dirty="0">
-                <a:solidFill>
-                  <a:schemeClr val="tx1"/>
-                </a:solidFill>
-              </a:endParaRPr>
             </a:p>
           </p:txBody>
         </p:sp>
@@ -26937,18 +26482,13 @@
           <a:p>
             <a:pPr algn="ctr"/>
             <a:r>
-              <a:rPr lang="en-US" sz="1200" dirty="0" smtClean="0">
+              <a:rPr lang="en-US" sz="1200" dirty="0">
                 <a:solidFill>
                   <a:schemeClr val="tx1"/>
                 </a:solidFill>
               </a:rPr>
               <a:t>Create inForm Algorithm AB4</a:t>
             </a:r>
-            <a:endParaRPr lang="en-US" sz="1200" dirty="0">
-              <a:solidFill>
-                <a:schemeClr val="tx1"/>
-              </a:solidFill>
-            </a:endParaRPr>
           </a:p>
         </p:txBody>
       </p:sp>
@@ -27002,18 +26542,13 @@
           <a:p>
             <a:pPr algn="ctr"/>
             <a:r>
-              <a:rPr lang="en-US" sz="1200" dirty="0" smtClean="0">
+              <a:rPr lang="en-US" sz="1200" dirty="0">
                 <a:solidFill>
                   <a:schemeClr val="tx1"/>
                 </a:solidFill>
               </a:rPr>
               <a:t>Submit to Queue</a:t>
             </a:r>
-            <a:endParaRPr lang="en-US" sz="1200" dirty="0">
-              <a:solidFill>
-                <a:schemeClr val="tx1"/>
-              </a:solidFill>
-            </a:endParaRPr>
           </a:p>
         </p:txBody>
       </p:sp>
@@ -27066,18 +26601,13 @@
           <a:p>
             <a:pPr algn="ctr"/>
             <a:r>
-              <a:rPr lang="en-US" sz="1200" dirty="0" smtClean="0">
+              <a:rPr lang="en-US" sz="1200" dirty="0">
                 <a:solidFill>
                   <a:schemeClr val="tx1"/>
                 </a:solidFill>
               </a:rPr>
               <a:t>VM Processing</a:t>
             </a:r>
-            <a:endParaRPr lang="en-US" sz="1200" dirty="0">
-              <a:solidFill>
-                <a:schemeClr val="tx1"/>
-              </a:solidFill>
-            </a:endParaRPr>
           </a:p>
         </p:txBody>
       </p:sp>
@@ -27130,18 +26660,13 @@
           <a:p>
             <a:pPr algn="ctr"/>
             <a:r>
-              <a:rPr lang="en-US" sz="1200" dirty="0" smtClean="0">
+              <a:rPr lang="en-US" sz="1200" dirty="0">
                 <a:solidFill>
                   <a:schemeClr val="tx1"/>
                 </a:solidFill>
               </a:rPr>
               <a:t>VM Finished</a:t>
             </a:r>
-            <a:endParaRPr lang="en-US" sz="1200" dirty="0">
-              <a:solidFill>
-                <a:schemeClr val="tx1"/>
-              </a:solidFill>
-            </a:endParaRPr>
           </a:p>
         </p:txBody>
       </p:sp>
@@ -27194,18 +26719,13 @@
           <a:p>
             <a:pPr algn="ctr"/>
             <a:r>
-              <a:rPr lang="en-US" sz="1200" dirty="0" smtClean="0">
+              <a:rPr lang="en-US" sz="1200" dirty="0">
                 <a:solidFill>
                   <a:schemeClr val="tx1"/>
                 </a:solidFill>
               </a:rPr>
               <a:t>QC Images Generated</a:t>
             </a:r>
-            <a:endParaRPr lang="en-US" sz="1200" dirty="0">
-              <a:solidFill>
-                <a:schemeClr val="tx1"/>
-              </a:solidFill>
-            </a:endParaRPr>
           </a:p>
         </p:txBody>
       </p:sp>
@@ -27259,18 +26779,13 @@
           <a:p>
             <a:pPr algn="ctr"/>
             <a:r>
-              <a:rPr lang="en-US" sz="1200" dirty="0" smtClean="0">
+              <a:rPr lang="en-US" sz="1200" dirty="0">
                 <a:solidFill>
                   <a:schemeClr val="tx1"/>
                 </a:solidFill>
               </a:rPr>
               <a:t>QC Failed</a:t>
             </a:r>
-            <a:endParaRPr lang="en-US" sz="1200" dirty="0">
-              <a:solidFill>
-                <a:schemeClr val="tx1"/>
-              </a:solidFill>
-            </a:endParaRPr>
           </a:p>
         </p:txBody>
       </p:sp>
@@ -27324,18 +26839,13 @@
           <a:p>
             <a:pPr algn="ctr"/>
             <a:r>
-              <a:rPr lang="en-US" sz="1200" dirty="0" smtClean="0">
+              <a:rPr lang="en-US" sz="1200" dirty="0">
                 <a:solidFill>
                   <a:schemeClr val="tx1"/>
                 </a:solidFill>
               </a:rPr>
               <a:t>Create inForm Algorithm AB4_2</a:t>
             </a:r>
-            <a:endParaRPr lang="en-US" sz="1200" dirty="0">
-              <a:solidFill>
-                <a:schemeClr val="tx1"/>
-              </a:solidFill>
-            </a:endParaRPr>
           </a:p>
         </p:txBody>
       </p:sp>
@@ -27702,18 +27212,13 @@
             <a:p>
               <a:pPr algn="ctr"/>
               <a:r>
-                <a:rPr lang="en-US" sz="1200" dirty="0" smtClean="0">
+                <a:rPr lang="en-US" sz="1200" dirty="0">
                   <a:solidFill>
                     <a:schemeClr val="tx1"/>
                   </a:solidFill>
                 </a:rPr>
                 <a:t>Create inForm Algorithm AB3</a:t>
               </a:r>
-              <a:endParaRPr lang="en-US" sz="1200" dirty="0">
-                <a:solidFill>
-                  <a:schemeClr val="tx1"/>
-                </a:solidFill>
-              </a:endParaRPr>
             </a:p>
           </p:txBody>
         </p:sp>
@@ -27767,18 +27272,13 @@
             <a:p>
               <a:pPr algn="ctr"/>
               <a:r>
-                <a:rPr lang="en-US" sz="1200" dirty="0" smtClean="0">
+                <a:rPr lang="en-US" sz="1200" dirty="0">
                   <a:solidFill>
                     <a:schemeClr val="tx1"/>
                   </a:solidFill>
                 </a:rPr>
                 <a:t>Submit to Queue</a:t>
               </a:r>
-              <a:endParaRPr lang="en-US" sz="1200" dirty="0">
-                <a:solidFill>
-                  <a:schemeClr val="tx1"/>
-                </a:solidFill>
-              </a:endParaRPr>
             </a:p>
           </p:txBody>
         </p:sp>
@@ -27831,18 +27331,13 @@
             <a:p>
               <a:pPr algn="ctr"/>
               <a:r>
-                <a:rPr lang="en-US" sz="1200" dirty="0" smtClean="0">
+                <a:rPr lang="en-US" sz="1200" dirty="0">
                   <a:solidFill>
                     <a:schemeClr val="tx1"/>
                   </a:solidFill>
                 </a:rPr>
                 <a:t>VM Processing</a:t>
               </a:r>
-              <a:endParaRPr lang="en-US" sz="1200" dirty="0">
-                <a:solidFill>
-                  <a:schemeClr val="tx1"/>
-                </a:solidFill>
-              </a:endParaRPr>
             </a:p>
           </p:txBody>
         </p:sp>
@@ -27895,18 +27390,13 @@
             <a:p>
               <a:pPr algn="ctr"/>
               <a:r>
-                <a:rPr lang="en-US" sz="1200" dirty="0" smtClean="0">
+                <a:rPr lang="en-US" sz="1200" dirty="0">
                   <a:solidFill>
                     <a:schemeClr val="tx1"/>
                   </a:solidFill>
                 </a:rPr>
                 <a:t>VM Finished</a:t>
               </a:r>
-              <a:endParaRPr lang="en-US" sz="1200" dirty="0">
-                <a:solidFill>
-                  <a:schemeClr val="tx1"/>
-                </a:solidFill>
-              </a:endParaRPr>
             </a:p>
           </p:txBody>
         </p:sp>
@@ -27959,18 +27449,13 @@
             <a:p>
               <a:pPr algn="ctr"/>
               <a:r>
-                <a:rPr lang="en-US" sz="1200" dirty="0" smtClean="0">
+                <a:rPr lang="en-US" sz="1200" dirty="0">
                   <a:solidFill>
                     <a:schemeClr val="tx1"/>
                   </a:solidFill>
                 </a:rPr>
                 <a:t>QC Images Generated</a:t>
               </a:r>
-              <a:endParaRPr lang="en-US" sz="1200" dirty="0">
-                <a:solidFill>
-                  <a:schemeClr val="tx1"/>
-                </a:solidFill>
-              </a:endParaRPr>
             </a:p>
           </p:txBody>
         </p:sp>
@@ -28024,18 +27509,13 @@
             <a:p>
               <a:pPr algn="ctr"/>
               <a:r>
-                <a:rPr lang="en-US" sz="1200" dirty="0" smtClean="0">
+                <a:rPr lang="en-US" sz="1200" dirty="0">
                   <a:solidFill>
                     <a:schemeClr val="tx1"/>
                   </a:solidFill>
                 </a:rPr>
                 <a:t>QC Failed</a:t>
               </a:r>
-              <a:endParaRPr lang="en-US" sz="1200" dirty="0">
-                <a:solidFill>
-                  <a:schemeClr val="tx1"/>
-                </a:solidFill>
-              </a:endParaRPr>
             </a:p>
           </p:txBody>
         </p:sp>
@@ -28089,18 +27569,13 @@
             <a:p>
               <a:pPr algn="ctr"/>
               <a:r>
-                <a:rPr lang="en-US" sz="1200" dirty="0" smtClean="0">
+                <a:rPr lang="en-US" sz="1200" dirty="0">
                   <a:solidFill>
                     <a:schemeClr val="tx1"/>
                   </a:solidFill>
                 </a:rPr>
                 <a:t>Create inForm Algorithm AB3_2</a:t>
               </a:r>
-              <a:endParaRPr lang="en-US" sz="1200" dirty="0">
-                <a:solidFill>
-                  <a:schemeClr val="tx1"/>
-                </a:solidFill>
-              </a:endParaRPr>
             </a:p>
           </p:txBody>
         </p:sp>
@@ -28468,18 +27943,13 @@
             <a:p>
               <a:pPr algn="ctr"/>
               <a:r>
-                <a:rPr lang="en-US" sz="1200" dirty="0" smtClean="0">
+                <a:rPr lang="en-US" sz="1200" dirty="0">
                   <a:solidFill>
                     <a:schemeClr val="tx1"/>
                   </a:solidFill>
                 </a:rPr>
                 <a:t>Create inForm Algorithm AB2</a:t>
               </a:r>
-              <a:endParaRPr lang="en-US" sz="1200" dirty="0">
-                <a:solidFill>
-                  <a:schemeClr val="tx1"/>
-                </a:solidFill>
-              </a:endParaRPr>
             </a:p>
           </p:txBody>
         </p:sp>
@@ -28533,18 +28003,13 @@
             <a:p>
               <a:pPr algn="ctr"/>
               <a:r>
-                <a:rPr lang="en-US" sz="1200" dirty="0" smtClean="0">
+                <a:rPr lang="en-US" sz="1200" dirty="0">
                   <a:solidFill>
                     <a:schemeClr val="tx1"/>
                   </a:solidFill>
                 </a:rPr>
                 <a:t>Submit to Queue</a:t>
               </a:r>
-              <a:endParaRPr lang="en-US" sz="1200" dirty="0">
-                <a:solidFill>
-                  <a:schemeClr val="tx1"/>
-                </a:solidFill>
-              </a:endParaRPr>
             </a:p>
           </p:txBody>
         </p:sp>
@@ -28597,18 +28062,13 @@
             <a:p>
               <a:pPr algn="ctr"/>
               <a:r>
-                <a:rPr lang="en-US" sz="1200" dirty="0" smtClean="0">
+                <a:rPr lang="en-US" sz="1200" dirty="0">
                   <a:solidFill>
                     <a:schemeClr val="tx1"/>
                   </a:solidFill>
                 </a:rPr>
                 <a:t>VM Processing</a:t>
               </a:r>
-              <a:endParaRPr lang="en-US" sz="1200" dirty="0">
-                <a:solidFill>
-                  <a:schemeClr val="tx1"/>
-                </a:solidFill>
-              </a:endParaRPr>
             </a:p>
           </p:txBody>
         </p:sp>
@@ -28661,18 +28121,13 @@
             <a:p>
               <a:pPr algn="ctr"/>
               <a:r>
-                <a:rPr lang="en-US" sz="1200" dirty="0" smtClean="0">
+                <a:rPr lang="en-US" sz="1200" dirty="0">
                   <a:solidFill>
                     <a:schemeClr val="tx1"/>
                   </a:solidFill>
                 </a:rPr>
                 <a:t>VM Finished</a:t>
               </a:r>
-              <a:endParaRPr lang="en-US" sz="1200" dirty="0">
-                <a:solidFill>
-                  <a:schemeClr val="tx1"/>
-                </a:solidFill>
-              </a:endParaRPr>
             </a:p>
           </p:txBody>
         </p:sp>
@@ -28725,18 +28180,13 @@
             <a:p>
               <a:pPr algn="ctr"/>
               <a:r>
-                <a:rPr lang="en-US" sz="1200" dirty="0" smtClean="0">
+                <a:rPr lang="en-US" sz="1200" dirty="0">
                   <a:solidFill>
                     <a:schemeClr val="tx1"/>
                   </a:solidFill>
                 </a:rPr>
                 <a:t>QC Images Generated</a:t>
               </a:r>
-              <a:endParaRPr lang="en-US" sz="1200" dirty="0">
-                <a:solidFill>
-                  <a:schemeClr val="tx1"/>
-                </a:solidFill>
-              </a:endParaRPr>
             </a:p>
           </p:txBody>
         </p:sp>
@@ -28790,18 +28240,13 @@
             <a:p>
               <a:pPr algn="ctr"/>
               <a:r>
-                <a:rPr lang="en-US" sz="1200" dirty="0" smtClean="0">
+                <a:rPr lang="en-US" sz="1200" dirty="0">
                   <a:solidFill>
                     <a:schemeClr val="tx1"/>
                   </a:solidFill>
                 </a:rPr>
                 <a:t>QC Failed</a:t>
               </a:r>
-              <a:endParaRPr lang="en-US" sz="1200" dirty="0">
-                <a:solidFill>
-                  <a:schemeClr val="tx1"/>
-                </a:solidFill>
-              </a:endParaRPr>
             </a:p>
           </p:txBody>
         </p:sp>
@@ -28855,18 +28300,13 @@
             <a:p>
               <a:pPr algn="ctr"/>
               <a:r>
-                <a:rPr lang="en-US" sz="1200" dirty="0" smtClean="0">
+                <a:rPr lang="en-US" sz="1200" dirty="0">
                   <a:solidFill>
                     <a:schemeClr val="tx1"/>
                   </a:solidFill>
                 </a:rPr>
                 <a:t>Create inForm Algorithm AB2_2</a:t>
               </a:r>
-              <a:endParaRPr lang="en-US" sz="1200" dirty="0">
-                <a:solidFill>
-                  <a:schemeClr val="tx1"/>
-                </a:solidFill>
-              </a:endParaRPr>
             </a:p>
           </p:txBody>
         </p:sp>
@@ -29175,7 +28615,7 @@
           <a:p>
             <a:pPr algn="ctr"/>
             <a:r>
-              <a:rPr lang="en-US" sz="1200" dirty="0" err="1" smtClean="0">
+              <a:rPr lang="en-US" sz="1200" dirty="0" err="1">
                 <a:solidFill>
                   <a:schemeClr val="tx1"/>
                 </a:solidFill>
@@ -29479,18 +28919,13 @@
             <a:p>
               <a:pPr algn="ctr"/>
               <a:r>
-                <a:rPr lang="en-US" sz="1200" dirty="0" smtClean="0">
+                <a:rPr lang="en-US" sz="1200" dirty="0">
                   <a:solidFill>
                     <a:schemeClr val="tx1"/>
                   </a:solidFill>
                 </a:rPr>
                 <a:t>Create inForm Algorithm AB1</a:t>
               </a:r>
-              <a:endParaRPr lang="en-US" sz="1200" dirty="0">
-                <a:solidFill>
-                  <a:schemeClr val="tx1"/>
-                </a:solidFill>
-              </a:endParaRPr>
             </a:p>
           </p:txBody>
         </p:sp>
@@ -29544,18 +28979,13 @@
             <a:p>
               <a:pPr algn="ctr"/>
               <a:r>
-                <a:rPr lang="en-US" sz="1200" dirty="0" smtClean="0">
+                <a:rPr lang="en-US" sz="1200" dirty="0">
                   <a:solidFill>
                     <a:schemeClr val="tx1"/>
                   </a:solidFill>
                 </a:rPr>
                 <a:t>Submit to Queue</a:t>
               </a:r>
-              <a:endParaRPr lang="en-US" sz="1200" dirty="0">
-                <a:solidFill>
-                  <a:schemeClr val="tx1"/>
-                </a:solidFill>
-              </a:endParaRPr>
             </a:p>
           </p:txBody>
         </p:sp>
@@ -29608,18 +29038,13 @@
             <a:p>
               <a:pPr algn="ctr"/>
               <a:r>
-                <a:rPr lang="en-US" sz="1200" dirty="0" smtClean="0">
+                <a:rPr lang="en-US" sz="1200" dirty="0">
                   <a:solidFill>
                     <a:schemeClr val="tx1"/>
                   </a:solidFill>
                 </a:rPr>
                 <a:t>VM Processing</a:t>
               </a:r>
-              <a:endParaRPr lang="en-US" sz="1200" dirty="0">
-                <a:solidFill>
-                  <a:schemeClr val="tx1"/>
-                </a:solidFill>
-              </a:endParaRPr>
             </a:p>
           </p:txBody>
         </p:sp>
@@ -29672,18 +29097,13 @@
             <a:p>
               <a:pPr algn="ctr"/>
               <a:r>
-                <a:rPr lang="en-US" sz="1200" dirty="0" smtClean="0">
+                <a:rPr lang="en-US" sz="1200" dirty="0">
                   <a:solidFill>
                     <a:schemeClr val="tx1"/>
                   </a:solidFill>
                 </a:rPr>
                 <a:t>VM Finished</a:t>
               </a:r>
-              <a:endParaRPr lang="en-US" sz="1200" dirty="0">
-                <a:solidFill>
-                  <a:schemeClr val="tx1"/>
-                </a:solidFill>
-              </a:endParaRPr>
             </a:p>
           </p:txBody>
         </p:sp>
@@ -29736,18 +29156,13 @@
             <a:p>
               <a:pPr algn="ctr"/>
               <a:r>
-                <a:rPr lang="en-US" sz="1200" dirty="0" smtClean="0">
+                <a:rPr lang="en-US" sz="1200" dirty="0">
                   <a:solidFill>
                     <a:schemeClr val="tx1"/>
                   </a:solidFill>
                 </a:rPr>
                 <a:t>QC Images Generated</a:t>
               </a:r>
-              <a:endParaRPr lang="en-US" sz="1200" dirty="0">
-                <a:solidFill>
-                  <a:schemeClr val="tx1"/>
-                </a:solidFill>
-              </a:endParaRPr>
             </a:p>
           </p:txBody>
         </p:sp>
@@ -29801,18 +29216,13 @@
             <a:p>
               <a:pPr algn="ctr"/>
               <a:r>
-                <a:rPr lang="en-US" sz="1200" dirty="0" smtClean="0">
+                <a:rPr lang="en-US" sz="1200" dirty="0">
                   <a:solidFill>
                     <a:schemeClr val="tx1"/>
                   </a:solidFill>
                 </a:rPr>
                 <a:t>QC Passed</a:t>
               </a:r>
-              <a:endParaRPr lang="en-US" sz="1200" dirty="0">
-                <a:solidFill>
-                  <a:schemeClr val="tx1"/>
-                </a:solidFill>
-              </a:endParaRPr>
             </a:p>
           </p:txBody>
         </p:sp>
@@ -30054,15 +29464,15 @@
           <a:lstStyle/>
           <a:p>
             <a:r>
-              <a:rPr lang="en-US" dirty="0" err="1" smtClean="0"/>
+              <a:rPr lang="en-US" dirty="0" err="1"/>
               <a:t>mergeloop</a:t>
             </a:r>
             <a:r>
-              <a:rPr lang="en-US" dirty="0" smtClean="0"/>
+              <a:rPr lang="en-US" dirty="0"/>
               <a:t> </a:t>
             </a:r>
             <a:r>
-              <a:rPr lang="en-US" dirty="0" err="1" smtClean="0"/>
+              <a:rPr lang="en-US" dirty="0" err="1"/>
               <a:t>SubSteps</a:t>
             </a:r>
             <a:endParaRPr lang="en-US" dirty="0"/>
@@ -30514,7 +29924,7 @@
           <a:lstStyle/>
           <a:p>
             <a:r>
-              <a:rPr lang="en-US" dirty="0" err="1" smtClean="0"/>
+              <a:rPr lang="en-US" dirty="0" err="1"/>
               <a:t>vminform</a:t>
             </a:r>
             <a:endParaRPr lang="en-US" dirty="0"/>
@@ -30570,7 +29980,7 @@
           <a:p>
             <a:pPr algn="ctr"/>
             <a:r>
-              <a:rPr lang="en-US" sz="1200" dirty="0" err="1" smtClean="0">
+              <a:rPr lang="en-US" sz="1200" dirty="0" err="1">
                 <a:solidFill>
                   <a:schemeClr val="tx1"/>
                 </a:solidFill>
@@ -30634,7 +30044,7 @@
           <a:p>
             <a:pPr algn="ctr"/>
             <a:r>
-              <a:rPr lang="en-US" sz="1200" dirty="0" err="1" smtClean="0">
+              <a:rPr lang="en-US" sz="1200" dirty="0" err="1">
                 <a:solidFill>
                   <a:schemeClr val="tx1"/>
                 </a:solidFill>
@@ -30703,15 +30113,7 @@
                   <a:schemeClr val="tx1"/>
                 </a:solidFill>
               </a:rPr>
-              <a:t>c</a:t>
-            </a:r>
-            <a:r>
-              <a:rPr lang="en-US" sz="1200" dirty="0" err="1" smtClean="0">
-                <a:solidFill>
-                  <a:schemeClr val="tx1"/>
-                </a:solidFill>
-              </a:rPr>
-              <a:t>heckresults</a:t>
+              <a:t>checkresults</a:t>
             </a:r>
             <a:endParaRPr lang="en-US" sz="1200" dirty="0">
               <a:solidFill>
@@ -31212,7 +30614,7 @@
           <a:p>
             <a:pPr algn="ctr"/>
             <a:r>
-              <a:rPr lang="en-US" sz="1200" dirty="0" err="1" smtClean="0">
+              <a:rPr lang="en-US" sz="1200" dirty="0" err="1">
                 <a:solidFill>
                   <a:schemeClr val="tx1"/>
                 </a:solidFill>
@@ -31279,7 +30681,7 @@
               <a:buChar char="•"/>
             </a:pPr>
             <a:r>
-              <a:rPr lang="en-US" sz="1200" dirty="0" smtClean="0">
+              <a:rPr lang="en-US" sz="1200" dirty="0">
                 <a:solidFill>
                   <a:schemeClr val="tx1"/>
                 </a:solidFill>
@@ -31287,7 +30689,7 @@
               <a:t>Creates a processing directory under users\public\</a:t>
             </a:r>
             <a:r>
-              <a:rPr lang="en-US" sz="1200" dirty="0" err="1" smtClean="0">
+              <a:rPr lang="en-US" sz="1200" dirty="0" err="1">
                 <a:solidFill>
                   <a:schemeClr val="tx1"/>
                 </a:solidFill>
@@ -31351,18 +30753,13 @@
           <a:p>
             <a:pPr algn="ctr"/>
             <a:r>
-              <a:rPr lang="en-US" sz="1200" dirty="0" smtClean="0">
+              <a:rPr lang="en-US" sz="1200" dirty="0">
                 <a:solidFill>
                   <a:schemeClr val="tx1"/>
                 </a:solidFill>
               </a:rPr>
               <a:t>downloadim3</a:t>
             </a:r>
-            <a:endParaRPr lang="en-US" sz="1200" dirty="0">
-              <a:solidFill>
-                <a:schemeClr val="tx1"/>
-              </a:solidFill>
-            </a:endParaRPr>
           </a:p>
         </p:txBody>
       </p:sp>
@@ -31480,18 +30877,13 @@
               <a:buChar char="•"/>
             </a:pPr>
             <a:r>
-              <a:rPr lang="en-US" sz="1200" dirty="0" smtClean="0">
+              <a:rPr lang="en-US" sz="1200" dirty="0">
                 <a:solidFill>
                   <a:schemeClr val="tx1"/>
                 </a:solidFill>
               </a:rPr>
               <a:t>Launches inForm as a background process</a:t>
             </a:r>
-            <a:endParaRPr lang="en-US" sz="1200" dirty="0">
-              <a:solidFill>
-                <a:schemeClr val="tx1"/>
-              </a:solidFill>
-            </a:endParaRPr>
           </a:p>
           <a:p>
             <a:pPr marL="171450" indent="-171450">
@@ -31558,7 +30950,7 @@
               <a:buChar char="•"/>
             </a:pPr>
             <a:r>
-              <a:rPr lang="en-US" sz="1200" dirty="0" smtClean="0">
+              <a:rPr lang="en-US" sz="1200" dirty="0">
                 <a:solidFill>
                   <a:schemeClr val="tx1"/>
                 </a:solidFill>
@@ -31572,7 +30964,7 @@
               <a:buChar char="•"/>
             </a:pPr>
             <a:r>
-              <a:rPr lang="en-US" sz="1200" dirty="0" smtClean="0">
+              <a:rPr lang="en-US" sz="1200" dirty="0">
                 <a:solidFill>
                   <a:schemeClr val="tx1"/>
                 </a:solidFill>
@@ -31586,7 +30978,7 @@
               <a:buChar char="•"/>
             </a:pPr>
             <a:r>
-              <a:rPr lang="en-US" sz="1200" dirty="0" smtClean="0">
+              <a:rPr lang="en-US" sz="1200" dirty="0">
                 <a:solidFill>
                   <a:schemeClr val="tx1"/>
                 </a:solidFill>
@@ -31600,18 +30992,13 @@
               <a:buChar char="•"/>
             </a:pPr>
             <a:r>
-              <a:rPr lang="en-US" sz="1200" dirty="0" smtClean="0">
+              <a:rPr lang="en-US" sz="1200" dirty="0">
                 <a:solidFill>
                   <a:schemeClr val="tx1"/>
                 </a:solidFill>
               </a:rPr>
               <a:t>If the process is deemed orphaned kill all related processes and restart (restarts 5 times before returning as an error)</a:t>
             </a:r>
-            <a:endParaRPr lang="en-US" sz="1200" dirty="0">
-              <a:solidFill>
-                <a:schemeClr val="tx1"/>
-              </a:solidFill>
-            </a:endParaRPr>
           </a:p>
         </p:txBody>
       </p:sp>
@@ -31667,18 +31054,13 @@
               <a:buChar char="•"/>
             </a:pPr>
             <a:r>
-              <a:rPr lang="en-US" sz="1200" dirty="0" smtClean="0">
+              <a:rPr lang="en-US" sz="1200" dirty="0">
                 <a:solidFill>
                   <a:schemeClr val="tx1"/>
                 </a:solidFill>
               </a:rPr>
               <a:t>Confirm that all images completed successfully, rerunning failed images </a:t>
             </a:r>
-            <a:endParaRPr lang="en-US" sz="1200" dirty="0">
-              <a:solidFill>
-                <a:schemeClr val="tx1"/>
-              </a:solidFill>
-            </a:endParaRPr>
           </a:p>
           <a:p>
             <a:pPr marL="171450" indent="-171450">
@@ -31742,18 +31124,13 @@
           <a:p>
             <a:pPr algn="ctr"/>
             <a:r>
-              <a:rPr lang="en-US" sz="1200" dirty="0" smtClean="0">
+              <a:rPr lang="en-US" sz="1200" dirty="0">
                 <a:solidFill>
                   <a:schemeClr val="tx1"/>
                 </a:solidFill>
               </a:rPr>
               <a:t>cleanup</a:t>
             </a:r>
-            <a:endParaRPr lang="en-US" sz="1200" dirty="0">
-              <a:solidFill>
-                <a:schemeClr val="tx1"/>
-              </a:solidFill>
-            </a:endParaRPr>
           </a:p>
         </p:txBody>
       </p:sp>
@@ -31809,18 +31186,13 @@
               <a:buChar char="•"/>
             </a:pPr>
             <a:r>
-              <a:rPr lang="en-US" sz="1200" dirty="0" smtClean="0">
+              <a:rPr lang="en-US" sz="1200" dirty="0">
                 <a:solidFill>
                   <a:schemeClr val="tx1"/>
                 </a:solidFill>
               </a:rPr>
               <a:t>Returns the respective inform data  that was run to the correct antibody folder ( or to the component tiffs folder).</a:t>
             </a:r>
-            <a:endParaRPr lang="en-US" sz="1200" dirty="0">
-              <a:solidFill>
-                <a:schemeClr val="tx1"/>
-              </a:solidFill>
-            </a:endParaRPr>
           </a:p>
           <a:p>
             <a:pPr marL="171450" indent="-171450">

--- a/documents/sample dependency workflow.pptx
+++ b/documents/sample dependency workflow.pptx
@@ -251,7 +251,7 @@
           <a:p>
             <a:fld id="{053D9C46-81F7-41F7-AFAE-BFEBBA175E9B}" type="datetimeFigureOut">
               <a:rPr lang="en-US" smtClean="0"/>
-              <a:t>1/26/2022</a:t>
+              <a:t>4/20/2023</a:t>
             </a:fld>
             <a:endParaRPr lang="en-US"/>
           </a:p>
@@ -419,7 +419,7 @@
           <a:p>
             <a:fld id="{053D9C46-81F7-41F7-AFAE-BFEBBA175E9B}" type="datetimeFigureOut">
               <a:rPr lang="en-US" smtClean="0"/>
-              <a:t>1/26/2022</a:t>
+              <a:t>4/20/2023</a:t>
             </a:fld>
             <a:endParaRPr lang="en-US"/>
           </a:p>
@@ -597,7 +597,7 @@
           <a:p>
             <a:fld id="{053D9C46-81F7-41F7-AFAE-BFEBBA175E9B}" type="datetimeFigureOut">
               <a:rPr lang="en-US" smtClean="0"/>
-              <a:t>1/26/2022</a:t>
+              <a:t>4/20/2023</a:t>
             </a:fld>
             <a:endParaRPr lang="en-US"/>
           </a:p>
@@ -765,7 +765,7 @@
           <a:p>
             <a:fld id="{053D9C46-81F7-41F7-AFAE-BFEBBA175E9B}" type="datetimeFigureOut">
               <a:rPr lang="en-US" smtClean="0"/>
-              <a:t>1/26/2022</a:t>
+              <a:t>4/20/2023</a:t>
             </a:fld>
             <a:endParaRPr lang="en-US"/>
           </a:p>
@@ -1010,7 +1010,7 @@
           <a:p>
             <a:fld id="{053D9C46-81F7-41F7-AFAE-BFEBBA175E9B}" type="datetimeFigureOut">
               <a:rPr lang="en-US" smtClean="0"/>
-              <a:t>1/26/2022</a:t>
+              <a:t>4/20/2023</a:t>
             </a:fld>
             <a:endParaRPr lang="en-US"/>
           </a:p>
@@ -1239,7 +1239,7 @@
           <a:p>
             <a:fld id="{053D9C46-81F7-41F7-AFAE-BFEBBA175E9B}" type="datetimeFigureOut">
               <a:rPr lang="en-US" smtClean="0"/>
-              <a:t>1/26/2022</a:t>
+              <a:t>4/20/2023</a:t>
             </a:fld>
             <a:endParaRPr lang="en-US"/>
           </a:p>
@@ -1603,7 +1603,7 @@
           <a:p>
             <a:fld id="{053D9C46-81F7-41F7-AFAE-BFEBBA175E9B}" type="datetimeFigureOut">
               <a:rPr lang="en-US" smtClean="0"/>
-              <a:t>1/26/2022</a:t>
+              <a:t>4/20/2023</a:t>
             </a:fld>
             <a:endParaRPr lang="en-US"/>
           </a:p>
@@ -1720,7 +1720,7 @@
           <a:p>
             <a:fld id="{053D9C46-81F7-41F7-AFAE-BFEBBA175E9B}" type="datetimeFigureOut">
               <a:rPr lang="en-US" smtClean="0"/>
-              <a:t>1/26/2022</a:t>
+              <a:t>4/20/2023</a:t>
             </a:fld>
             <a:endParaRPr lang="en-US"/>
           </a:p>
@@ -1815,7 +1815,7 @@
           <a:p>
             <a:fld id="{053D9C46-81F7-41F7-AFAE-BFEBBA175E9B}" type="datetimeFigureOut">
               <a:rPr lang="en-US" smtClean="0"/>
-              <a:t>1/26/2022</a:t>
+              <a:t>4/20/2023</a:t>
             </a:fld>
             <a:endParaRPr lang="en-US"/>
           </a:p>
@@ -2090,7 +2090,7 @@
           <a:p>
             <a:fld id="{053D9C46-81F7-41F7-AFAE-BFEBBA175E9B}" type="datetimeFigureOut">
               <a:rPr lang="en-US" smtClean="0"/>
-              <a:t>1/26/2022</a:t>
+              <a:t>4/20/2023</a:t>
             </a:fld>
             <a:endParaRPr lang="en-US"/>
           </a:p>
@@ -2342,7 +2342,7 @@
           <a:p>
             <a:fld id="{053D9C46-81F7-41F7-AFAE-BFEBBA175E9B}" type="datetimeFigureOut">
               <a:rPr lang="en-US" smtClean="0"/>
-              <a:t>1/26/2022</a:t>
+              <a:t>4/20/2023</a:t>
             </a:fld>
             <a:endParaRPr lang="en-US"/>
           </a:p>
@@ -2553,7 +2553,7 @@
           <a:p>
             <a:fld id="{053D9C46-81F7-41F7-AFAE-BFEBBA175E9B}" type="datetimeFigureOut">
               <a:rPr lang="en-US" smtClean="0"/>
-              <a:t>1/26/2022</a:t>
+              <a:t>4/20/2023</a:t>
             </a:fld>
             <a:endParaRPr lang="en-US"/>
           </a:p>
@@ -12852,8 +12852,8 @@
         </p:nvCxnSpPr>
         <p:spPr>
           <a:xfrm rot="16200000" flipH="1">
-            <a:off x="6080722" y="3327098"/>
-            <a:ext cx="916074" cy="66540"/>
+            <a:off x="6060179" y="3306555"/>
+            <a:ext cx="880406" cy="143294"/>
           </a:xfrm>
           <a:prstGeom prst="curvedConnector3">
             <a:avLst>
@@ -13056,7 +13056,7 @@
         </p:nvSpPr>
         <p:spPr>
           <a:xfrm>
-            <a:off x="6042402" y="2661630"/>
+            <a:off x="5965648" y="2697298"/>
             <a:ext cx="926173" cy="240701"/>
           </a:xfrm>
           <a:prstGeom prst="roundRect">
@@ -13149,8 +13149,8 @@
         </p:nvCxnSpPr>
         <p:spPr>
           <a:xfrm rot="5400000">
-            <a:off x="5865368" y="2891880"/>
-            <a:ext cx="629671" cy="650572"/>
+            <a:off x="5844825" y="2948091"/>
+            <a:ext cx="594003" cy="573818"/>
           </a:xfrm>
           <a:prstGeom prst="curvedConnector3">
             <a:avLst>
@@ -13242,7 +13242,7 @@
         </p:nvSpPr>
         <p:spPr>
           <a:xfrm>
-            <a:off x="6813302" y="3059577"/>
+            <a:off x="7233623" y="3225969"/>
             <a:ext cx="926173" cy="240701"/>
           </a:xfrm>
           <a:prstGeom prst="roundRect">
@@ -13283,64 +13283,6 @@
                 </a:solidFill>
               </a:rPr>
               <a:t>geomcell</a:t>
-            </a:r>
-            <a:endParaRPr lang="en-US" sz="800" dirty="0">
-              <a:solidFill>
-                <a:schemeClr val="tx1"/>
-              </a:solidFill>
-            </a:endParaRPr>
-          </a:p>
-        </p:txBody>
-      </p:sp>
-      <p:sp>
-        <p:nvSpPr>
-          <p:cNvPr id="85" name="Rounded Rectangle 84"/>
-          <p:cNvSpPr/>
-          <p:nvPr/>
-        </p:nvSpPr>
-        <p:spPr>
-          <a:xfrm>
-            <a:off x="7060751" y="2051869"/>
-            <a:ext cx="926173" cy="240701"/>
-          </a:xfrm>
-          <a:prstGeom prst="roundRect">
-            <a:avLst/>
-          </a:prstGeom>
-          <a:solidFill>
-            <a:schemeClr val="accent2">
-              <a:lumMod val="20000"/>
-              <a:lumOff val="80000"/>
-            </a:schemeClr>
-          </a:solidFill>
-        </p:spPr>
-        <p:style>
-          <a:lnRef idx="2">
-            <a:schemeClr val="accent1">
-              <a:shade val="50000"/>
-            </a:schemeClr>
-          </a:lnRef>
-          <a:fillRef idx="1">
-            <a:schemeClr val="accent1"/>
-          </a:fillRef>
-          <a:effectRef idx="0">
-            <a:schemeClr val="accent1"/>
-          </a:effectRef>
-          <a:fontRef idx="minor">
-            <a:schemeClr val="lt1"/>
-          </a:fontRef>
-        </p:style>
-        <p:txBody>
-          <a:bodyPr rtlCol="0" anchor="ctr"/>
-          <a:lstStyle/>
-          <a:p>
-            <a:pPr algn="ctr"/>
-            <a:r>
-              <a:rPr lang="en-US" sz="800" dirty="0" err="1">
-                <a:solidFill>
-                  <a:schemeClr val="tx1"/>
-                </a:solidFill>
-              </a:rPr>
-              <a:t>geom</a:t>
             </a:r>
             <a:endParaRPr lang="en-US" sz="800" dirty="0">
               <a:solidFill>
@@ -13362,8 +13304,8 @@
         </p:nvCxnSpPr>
         <p:spPr>
           <a:xfrm rot="5400000">
-            <a:off x="6680891" y="3820532"/>
-            <a:ext cx="1115752" cy="75245"/>
+            <a:off x="6974247" y="3693567"/>
+            <a:ext cx="949360" cy="495566"/>
           </a:xfrm>
           <a:prstGeom prst="curvedConnector3">
             <a:avLst>
@@ -14794,50 +14736,11 @@
         </p:nvCxnSpPr>
         <p:spPr>
           <a:xfrm flipV="1">
-            <a:off x="5147181" y="3179928"/>
-            <a:ext cx="1666121" cy="340856"/>
+            <a:off x="5147181" y="3346320"/>
+            <a:ext cx="2086442" cy="174464"/>
           </a:xfrm>
           <a:prstGeom prst="curvedConnector3">
             <a:avLst/>
-          </a:prstGeom>
-          <a:ln>
-            <a:tailEnd type="triangle"/>
-          </a:ln>
-        </p:spPr>
-        <p:style>
-          <a:lnRef idx="1">
-            <a:schemeClr val="accent1"/>
-          </a:lnRef>
-          <a:fillRef idx="0">
-            <a:schemeClr val="accent1"/>
-          </a:fillRef>
-          <a:effectRef idx="0">
-            <a:schemeClr val="accent1"/>
-          </a:effectRef>
-          <a:fontRef idx="minor">
-            <a:schemeClr val="tx1"/>
-          </a:fontRef>
-        </p:style>
-      </p:cxnSp>
-      <p:cxnSp>
-        <p:nvCxnSpPr>
-          <p:cNvPr id="132" name="Curved Connector 131"/>
-          <p:cNvCxnSpPr>
-            <a:cxnSpLocks/>
-            <a:stCxn id="54" idx="2"/>
-            <a:endCxn id="85" idx="0"/>
-          </p:cNvCxnSpPr>
-          <p:nvPr/>
-        </p:nvCxnSpPr>
-        <p:spPr>
-          <a:xfrm rot="16200000" flipH="1">
-            <a:off x="7172536" y="1700566"/>
-            <a:ext cx="208431" cy="494174"/>
-          </a:xfrm>
-          <a:prstGeom prst="curvedConnector3">
-            <a:avLst>
-              <a:gd name="adj1" fmla="val 50000"/>
-            </a:avLst>
           </a:prstGeom>
           <a:ln>
             <a:tailEnd type="triangle"/>
@@ -14907,8 +14810,8 @@
         </p:nvCxnSpPr>
         <p:spPr>
           <a:xfrm flipV="1">
-            <a:off x="5142885" y="2781981"/>
-            <a:ext cx="899517" cy="329631"/>
+            <a:off x="5142885" y="2817649"/>
+            <a:ext cx="822763" cy="293963"/>
           </a:xfrm>
           <a:prstGeom prst="curvedConnector3">
             <a:avLst>
@@ -15067,44 +14970,6 @@
           <a:prstGeom prst="curvedConnector3">
             <a:avLst>
               <a:gd name="adj1" fmla="val 84888"/>
-            </a:avLst>
-          </a:prstGeom>
-          <a:ln>
-            <a:tailEnd type="triangle"/>
-          </a:ln>
-        </p:spPr>
-        <p:style>
-          <a:lnRef idx="1">
-            <a:schemeClr val="accent1"/>
-          </a:lnRef>
-          <a:fillRef idx="0">
-            <a:schemeClr val="accent1"/>
-          </a:fillRef>
-          <a:effectRef idx="0">
-            <a:schemeClr val="accent1"/>
-          </a:effectRef>
-          <a:fontRef idx="minor">
-            <a:schemeClr val="tx1"/>
-          </a:fontRef>
-        </p:style>
-      </p:cxnSp>
-      <p:cxnSp>
-        <p:nvCxnSpPr>
-          <p:cNvPr id="255" name="Curved Connector 254"/>
-          <p:cNvCxnSpPr>
-            <a:stCxn id="246" idx="3"/>
-            <a:endCxn id="85" idx="1"/>
-          </p:cNvCxnSpPr>
-          <p:nvPr/>
-        </p:nvCxnSpPr>
-        <p:spPr>
-          <a:xfrm flipV="1">
-            <a:off x="5123073" y="2172220"/>
-            <a:ext cx="1937678" cy="74685"/>
-          </a:xfrm>
-          <a:prstGeom prst="curvedConnector3">
-            <a:avLst>
-              <a:gd name="adj1" fmla="val 50000"/>
             </a:avLst>
           </a:prstGeom>
           <a:ln>
@@ -16827,7 +16692,7 @@
         </p:nvSpPr>
         <p:spPr>
           <a:xfrm>
-            <a:off x="5994484" y="2276375"/>
+            <a:off x="5984403" y="2301921"/>
             <a:ext cx="926173" cy="240701"/>
           </a:xfrm>
           <a:prstGeom prst="roundRect">
@@ -16895,8 +16760,8 @@
         </p:nvCxnSpPr>
         <p:spPr>
           <a:xfrm rot="5400000">
-            <a:off x="6527150" y="1773860"/>
-            <a:ext cx="432937" cy="572093"/>
+            <a:off x="6509336" y="1781592"/>
+            <a:ext cx="458483" cy="582174"/>
           </a:xfrm>
           <a:prstGeom prst="curvedConnector3">
             <a:avLst>
@@ -16939,9 +16804,9 @@
           <p:nvPr/>
         </p:nvCxnSpPr>
         <p:spPr>
-          <a:xfrm rot="16200000" flipH="1">
-            <a:off x="6409253" y="2565394"/>
-            <a:ext cx="144554" cy="47918"/>
+          <a:xfrm rot="5400000">
+            <a:off x="6360775" y="2610583"/>
+            <a:ext cx="154676" cy="18755"/>
           </a:xfrm>
           <a:prstGeom prst="curvedConnector3">
             <a:avLst>
@@ -16986,7 +16851,7 @@
         <p:spPr>
           <a:xfrm>
             <a:off x="5123073" y="2246905"/>
-            <a:ext cx="871411" cy="149821"/>
+            <a:ext cx="861330" cy="175367"/>
           </a:xfrm>
           <a:prstGeom prst="curvedConnector3">
             <a:avLst>
@@ -17030,12 +16895,12 @@
         </p:nvCxnSpPr>
         <p:spPr>
           <a:xfrm rot="16200000" flipH="1">
-            <a:off x="6544957" y="2328144"/>
-            <a:ext cx="1216139" cy="246725"/>
+            <a:off x="6671922" y="2201180"/>
+            <a:ext cx="1382531" cy="667046"/>
           </a:xfrm>
           <a:prstGeom prst="curvedConnector3">
             <a:avLst>
-              <a:gd name="adj1" fmla="val 50001"/>
+              <a:gd name="adj1" fmla="val 50000"/>
             </a:avLst>
           </a:prstGeom>
           <a:ln>
@@ -18594,44 +18459,6 @@
           <a:prstGeom prst="curvedConnector3">
             <a:avLst>
               <a:gd name="adj1" fmla="val 124206"/>
-            </a:avLst>
-          </a:prstGeom>
-          <a:ln>
-            <a:tailEnd type="triangle"/>
-          </a:ln>
-        </p:spPr>
-        <p:style>
-          <a:lnRef idx="1">
-            <a:schemeClr val="accent1"/>
-          </a:lnRef>
-          <a:fillRef idx="0">
-            <a:schemeClr val="accent1"/>
-          </a:fillRef>
-          <a:effectRef idx="0">
-            <a:schemeClr val="accent1"/>
-          </a:effectRef>
-          <a:fontRef idx="minor">
-            <a:schemeClr val="tx1"/>
-          </a:fontRef>
-        </p:style>
-      </p:cxnSp>
-      <p:cxnSp>
-        <p:nvCxnSpPr>
-          <p:cNvPr id="586" name="Curved Connector 585"/>
-          <p:cNvCxnSpPr>
-            <a:endCxn id="82" idx="3"/>
-          </p:cNvCxnSpPr>
-          <p:nvPr/>
-        </p:nvCxnSpPr>
-        <p:spPr>
-          <a:xfrm rot="16200000" flipH="1">
-            <a:off x="6489927" y="3362078"/>
-            <a:ext cx="2227422" cy="121183"/>
-          </a:xfrm>
-          <a:prstGeom prst="curvedConnector4">
-            <a:avLst>
-              <a:gd name="adj1" fmla="val 10351"/>
-              <a:gd name="adj2" fmla="val 288640"/>
             </a:avLst>
           </a:prstGeom>
           <a:ln>
